--- a/3/presentations/wda3.pptx
+++ b/3/presentations/wda3.pptx
@@ -5,16 +5,12 @@
     <p:sldMasterId id="2147483696" r:id="rId1"/>
   </p:sldMasterIdLst>
   <p:notesMasterIdLst>
-    <p:notesMasterId r:id="rId9"/>
+    <p:notesMasterId r:id="rId5"/>
   </p:notesMasterIdLst>
   <p:sldIdLst>
-    <p:sldId id="288" r:id="rId2"/>
-    <p:sldId id="289" r:id="rId3"/>
-    <p:sldId id="290" r:id="rId4"/>
-    <p:sldId id="291" r:id="rId5"/>
-    <p:sldId id="292" r:id="rId6"/>
-    <p:sldId id="293" r:id="rId7"/>
-    <p:sldId id="294" r:id="rId8"/>
+    <p:sldId id="313" r:id="rId2"/>
+    <p:sldId id="314" r:id="rId3"/>
+    <p:sldId id="315" r:id="rId4"/>
   </p:sldIdLst>
   <p:sldSz cx="10058400" cy="7772400"/>
   <p:notesSz cx="6858000" cy="9144000"/>
@@ -219,7 +215,7 @@
           <a:p>
             <a:fld id="{7D261E44-C4C0-6344-AB31-495F47CEF0BF}" type="datetimeFigureOut">
               <a:rPr lang="sk-SK" smtClean="0"/>
-              <a:t>11. 3. 2019</a:t>
+              <a:t>27.10.19</a:t>
             </a:fld>
             <a:endParaRPr lang="sk-SK"/>
           </a:p>
@@ -618,7 +614,7 @@
           <a:p>
             <a:fld id="{A066C677-8E45-E141-9716-C86D7EE5D9E8}" type="datetime1">
               <a:rPr lang="sk-SK" smtClean="0"/>
-              <a:t>11. 3. 2019</a:t>
+              <a:t>27.10.19</a:t>
             </a:fld>
             <a:endParaRPr lang="en-US"/>
           </a:p>
@@ -788,7 +784,7 @@
           <a:p>
             <a:fld id="{2F1614C0-FE52-F449-9EB9-A0FF9A2543CD}" type="datetime1">
               <a:rPr lang="sk-SK" smtClean="0"/>
-              <a:t>11. 3. 2019</a:t>
+              <a:t>27.10.19</a:t>
             </a:fld>
             <a:endParaRPr lang="en-US"/>
           </a:p>
@@ -968,7 +964,7 @@
           <a:p>
             <a:fld id="{D00EA2FD-E00D-9848-8434-0267DBC70800}" type="datetime1">
               <a:rPr lang="sk-SK" smtClean="0"/>
-              <a:t>11. 3. 2019</a:t>
+              <a:t>27.10.19</a:t>
             </a:fld>
             <a:endParaRPr lang="en-US"/>
           </a:p>
@@ -1138,7 +1134,7 @@
           <a:p>
             <a:fld id="{EA230261-6B22-9D46-9363-FF39813EB6EC}" type="datetime1">
               <a:rPr lang="sk-SK" smtClean="0"/>
-              <a:t>11. 3. 2019</a:t>
+              <a:t>27.10.19</a:t>
             </a:fld>
             <a:endParaRPr lang="en-US"/>
           </a:p>
@@ -1382,7 +1378,7 @@
           <a:p>
             <a:fld id="{59FB9737-2E3E-7648-A62E-672F14D45174}" type="datetime1">
               <a:rPr lang="sk-SK" smtClean="0"/>
-              <a:t>11. 3. 2019</a:t>
+              <a:t>27.10.19</a:t>
             </a:fld>
             <a:endParaRPr lang="en-US"/>
           </a:p>
@@ -1614,7 +1610,7 @@
           <a:p>
             <a:fld id="{CE392BCD-50BB-5C4E-9FA2-1520C47BA1A9}" type="datetime1">
               <a:rPr lang="sk-SK" smtClean="0"/>
-              <a:t>11. 3. 2019</a:t>
+              <a:t>27.10.19</a:t>
             </a:fld>
             <a:endParaRPr lang="en-US"/>
           </a:p>
@@ -1981,7 +1977,7 @@
           <a:p>
             <a:fld id="{47588235-1A3D-8F40-84C0-D3E6FA642448}" type="datetime1">
               <a:rPr lang="sk-SK" smtClean="0"/>
-              <a:t>11. 3. 2019</a:t>
+              <a:t>27.10.19</a:t>
             </a:fld>
             <a:endParaRPr lang="en-US"/>
           </a:p>
@@ -2099,7 +2095,7 @@
           <a:p>
             <a:fld id="{C41B8640-B450-0C4A-9516-6E2711D4D46C}" type="datetime1">
               <a:rPr lang="sk-SK" smtClean="0"/>
-              <a:t>11. 3. 2019</a:t>
+              <a:t>27.10.19</a:t>
             </a:fld>
             <a:endParaRPr lang="en-US"/>
           </a:p>
@@ -2194,7 +2190,7 @@
           <a:p>
             <a:fld id="{6B0C531D-6297-E049-BA84-34FE8FD92947}" type="datetime1">
               <a:rPr lang="sk-SK" smtClean="0"/>
-              <a:t>11. 3. 2019</a:t>
+              <a:t>27.10.19</a:t>
             </a:fld>
             <a:endParaRPr lang="en-US"/>
           </a:p>
@@ -2471,7 +2467,7 @@
           <a:p>
             <a:fld id="{5410C6F4-3FBB-2D4D-B13A-D6953AE0A3AF}" type="datetime1">
               <a:rPr lang="sk-SK" smtClean="0"/>
-              <a:t>11. 3. 2019</a:t>
+              <a:t>27.10.19</a:t>
             </a:fld>
             <a:endParaRPr lang="en-US"/>
           </a:p>
@@ -2728,7 +2724,7 @@
           <a:p>
             <a:fld id="{637C8A6D-C806-FE45-AB4E-63619D22D102}" type="datetime1">
               <a:rPr lang="sk-SK" smtClean="0"/>
-              <a:t>11. 3. 2019</a:t>
+              <a:t>27.10.19</a:t>
             </a:fld>
             <a:endParaRPr lang="en-US"/>
           </a:p>
@@ -2941,7 +2937,7 @@
           <a:p>
             <a:fld id="{5F80EA03-2C13-2441-AAFA-2B3D759DC539}" type="datetime1">
               <a:rPr lang="sk-SK" smtClean="0"/>
-              <a:t>11. 3. 2019</a:t>
+              <a:t>27.10.19</a:t>
             </a:fld>
             <a:endParaRPr lang="en-US"/>
           </a:p>
@@ -3333,14 +3329,6 @@
 <file path=ppt/slides/slide1.xml><?xml version="1.0" encoding="utf-8"?>
 <p:sld xmlns:a="http://schemas.openxmlformats.org/drawingml/2006/main" xmlns:r="http://schemas.openxmlformats.org/officeDocument/2006/relationships" xmlns:p="http://schemas.openxmlformats.org/presentationml/2006/main">
   <p:cSld>
-    <p:bg>
-      <p:bgPr>
-        <a:solidFill>
-          <a:srgbClr val="F0F0F0"/>
-        </a:solidFill>
-        <a:effectLst/>
-      </p:bgPr>
-    </p:bg>
     <p:spTree>
       <p:nvGrpSpPr>
         <p:cNvPr id="1" name=""/>
@@ -3432,7 +3420,7 @@
         <p:spPr>
           <a:xfrm>
             <a:off x="450019" y="123422"/>
-            <a:ext cx="9310976" cy="577850"/>
+            <a:ext cx="9310976" cy="1010533"/>
           </a:xfrm>
           <a:prstGeom prst="rect">
             <a:avLst/>
@@ -3451,7 +3439,7 @@
               </a:lnSpc>
             </a:pPr>
             <a:r>
-              <a:rPr lang="en-US" sz="2400" b="1" dirty="0">
+              <a:rPr lang="sk-SK" sz="2400" b="1" dirty="0" err="1">
                 <a:solidFill>
                   <a:schemeClr val="bg1"/>
                 </a:solidFill>
@@ -3459,7 +3447,33 @@
                 <a:ea typeface="Segoe UI" panose="020B0502040204020203" pitchFamily="34" charset="0"/>
                 <a:cs typeface="Arial" panose="020B0604020202020204" pitchFamily="34" charset="0"/>
               </a:rPr>
-              <a:t>Git a GitHub</a:t>
+              <a:t>Markdown</a:t>
+            </a:r>
+            <a:endParaRPr lang="sk-SK" sz="2400" b="1" dirty="0">
+              <a:solidFill>
+                <a:schemeClr val="bg1"/>
+              </a:solidFill>
+              <a:latin typeface="Arial" panose="020B0604020202020204" pitchFamily="34" charset="0"/>
+              <a:ea typeface="Segoe UI" panose="020B0502040204020203" pitchFamily="34" charset="0"/>
+              <a:cs typeface="Arial" panose="020B0604020202020204" pitchFamily="34" charset="0"/>
+            </a:endParaRPr>
+          </a:p>
+          <a:p>
+            <a:pPr>
+              <a:lnSpc>
+                <a:spcPct val="150000"/>
+              </a:lnSpc>
+            </a:pPr>
+            <a:r>
+              <a:rPr lang="sk-SK" b="1" dirty="0">
+                <a:solidFill>
+                  <a:schemeClr val="bg1"/>
+                </a:solidFill>
+                <a:latin typeface="Arial" panose="020B0604020202020204" pitchFamily="34" charset="0"/>
+                <a:ea typeface="Segoe UI" panose="020B0502040204020203" pitchFamily="34" charset="0"/>
+                <a:cs typeface="Arial" panose="020B0604020202020204" pitchFamily="34" charset="0"/>
+              </a:rPr>
+              <a:t>Textový popis (1)</a:t>
             </a:r>
             <a:endParaRPr lang="sk-SK" dirty="0">
               <a:solidFill>
@@ -3497,7 +3511,589 @@
               <a:rPr lang="en-US" smtClean="0"/>
               <a:t>1</a:t>
             </a:fld>
-            <a:endParaRPr lang="en-US" dirty="0"/>
+            <a:endParaRPr lang="en-US"/>
+          </a:p>
+        </p:txBody>
+      </p:sp>
+      <p:sp>
+        <p:nvSpPr>
+          <p:cNvPr id="8" name="Zástupný objekt pre obsah 2">
+            <a:extLst>
+              <a:ext uri="{FF2B5EF4-FFF2-40B4-BE49-F238E27FC236}">
+                <a16:creationId xmlns:a16="http://schemas.microsoft.com/office/drawing/2014/main" id="{507CE63D-AB36-EF47-9D75-8D2284C6AC9F}"/>
+              </a:ext>
+            </a:extLst>
+          </p:cNvPr>
+          <p:cNvSpPr txBox="1">
+            <a:spLocks/>
+          </p:cNvSpPr>
+          <p:nvPr/>
+        </p:nvSpPr>
+        <p:spPr>
+          <a:xfrm>
+            <a:off x="373712" y="1957243"/>
+            <a:ext cx="9310976" cy="5246622"/>
+          </a:xfrm>
+          <a:prstGeom prst="rect">
+            <a:avLst/>
+          </a:prstGeom>
+        </p:spPr>
+        <p:txBody>
+          <a:bodyPr>
+            <a:normAutofit/>
+          </a:bodyPr>
+          <a:lstStyle>
+            <a:lvl1pPr marL="251460" indent="-251460" algn="l" defTabSz="1005840" rtl="0" eaLnBrk="1" latinLnBrk="0" hangingPunct="1">
+              <a:lnSpc>
+                <a:spcPct val="90000"/>
+              </a:lnSpc>
+              <a:spcBef>
+                <a:spcPts val="1100"/>
+              </a:spcBef>
+              <a:buFont typeface="Arial" panose="020B0604020202020204" pitchFamily="34" charset="0"/>
+              <a:buChar char="•"/>
+              <a:defRPr sz="3080" kern="1200">
+                <a:solidFill>
+                  <a:schemeClr val="tx1"/>
+                </a:solidFill>
+                <a:latin typeface="+mn-lt"/>
+                <a:ea typeface="+mn-ea"/>
+                <a:cs typeface="+mn-cs"/>
+              </a:defRPr>
+            </a:lvl1pPr>
+            <a:lvl2pPr marL="754380" indent="-251460" algn="l" defTabSz="1005840" rtl="0" eaLnBrk="1" latinLnBrk="0" hangingPunct="1">
+              <a:lnSpc>
+                <a:spcPct val="90000"/>
+              </a:lnSpc>
+              <a:spcBef>
+                <a:spcPts val="550"/>
+              </a:spcBef>
+              <a:buFont typeface="Arial" panose="020B0604020202020204" pitchFamily="34" charset="0"/>
+              <a:buChar char="•"/>
+              <a:defRPr sz="2640" kern="1200">
+                <a:solidFill>
+                  <a:schemeClr val="tx1"/>
+                </a:solidFill>
+                <a:latin typeface="+mn-lt"/>
+                <a:ea typeface="+mn-ea"/>
+                <a:cs typeface="+mn-cs"/>
+              </a:defRPr>
+            </a:lvl2pPr>
+            <a:lvl3pPr marL="1257300" indent="-251460" algn="l" defTabSz="1005840" rtl="0" eaLnBrk="1" latinLnBrk="0" hangingPunct="1">
+              <a:lnSpc>
+                <a:spcPct val="90000"/>
+              </a:lnSpc>
+              <a:spcBef>
+                <a:spcPts val="550"/>
+              </a:spcBef>
+              <a:buFont typeface="Arial" panose="020B0604020202020204" pitchFamily="34" charset="0"/>
+              <a:buChar char="•"/>
+              <a:defRPr sz="2200" kern="1200">
+                <a:solidFill>
+                  <a:schemeClr val="tx1"/>
+                </a:solidFill>
+                <a:latin typeface="+mn-lt"/>
+                <a:ea typeface="+mn-ea"/>
+                <a:cs typeface="+mn-cs"/>
+              </a:defRPr>
+            </a:lvl3pPr>
+            <a:lvl4pPr marL="1760220" indent="-251460" algn="l" defTabSz="1005840" rtl="0" eaLnBrk="1" latinLnBrk="0" hangingPunct="1">
+              <a:lnSpc>
+                <a:spcPct val="90000"/>
+              </a:lnSpc>
+              <a:spcBef>
+                <a:spcPts val="550"/>
+              </a:spcBef>
+              <a:buFont typeface="Arial" panose="020B0604020202020204" pitchFamily="34" charset="0"/>
+              <a:buChar char="•"/>
+              <a:defRPr sz="1980" kern="1200">
+                <a:solidFill>
+                  <a:schemeClr val="tx1"/>
+                </a:solidFill>
+                <a:latin typeface="+mn-lt"/>
+                <a:ea typeface="+mn-ea"/>
+                <a:cs typeface="+mn-cs"/>
+              </a:defRPr>
+            </a:lvl4pPr>
+            <a:lvl5pPr marL="2263140" indent="-251460" algn="l" defTabSz="1005840" rtl="0" eaLnBrk="1" latinLnBrk="0" hangingPunct="1">
+              <a:lnSpc>
+                <a:spcPct val="90000"/>
+              </a:lnSpc>
+              <a:spcBef>
+                <a:spcPts val="550"/>
+              </a:spcBef>
+              <a:buFont typeface="Arial" panose="020B0604020202020204" pitchFamily="34" charset="0"/>
+              <a:buChar char="•"/>
+              <a:defRPr sz="1980" kern="1200">
+                <a:solidFill>
+                  <a:schemeClr val="tx1"/>
+                </a:solidFill>
+                <a:latin typeface="+mn-lt"/>
+                <a:ea typeface="+mn-ea"/>
+                <a:cs typeface="+mn-cs"/>
+              </a:defRPr>
+            </a:lvl5pPr>
+            <a:lvl6pPr marL="2766060" indent="-251460" algn="l" defTabSz="1005840" rtl="0" eaLnBrk="1" latinLnBrk="0" hangingPunct="1">
+              <a:lnSpc>
+                <a:spcPct val="90000"/>
+              </a:lnSpc>
+              <a:spcBef>
+                <a:spcPts val="550"/>
+              </a:spcBef>
+              <a:buFont typeface="Arial" panose="020B0604020202020204" pitchFamily="34" charset="0"/>
+              <a:buChar char="•"/>
+              <a:defRPr sz="1980" kern="1200">
+                <a:solidFill>
+                  <a:schemeClr val="tx1"/>
+                </a:solidFill>
+                <a:latin typeface="+mn-lt"/>
+                <a:ea typeface="+mn-ea"/>
+                <a:cs typeface="+mn-cs"/>
+              </a:defRPr>
+            </a:lvl6pPr>
+            <a:lvl7pPr marL="3268980" indent="-251460" algn="l" defTabSz="1005840" rtl="0" eaLnBrk="1" latinLnBrk="0" hangingPunct="1">
+              <a:lnSpc>
+                <a:spcPct val="90000"/>
+              </a:lnSpc>
+              <a:spcBef>
+                <a:spcPts val="550"/>
+              </a:spcBef>
+              <a:buFont typeface="Arial" panose="020B0604020202020204" pitchFamily="34" charset="0"/>
+              <a:buChar char="•"/>
+              <a:defRPr sz="1980" kern="1200">
+                <a:solidFill>
+                  <a:schemeClr val="tx1"/>
+                </a:solidFill>
+                <a:latin typeface="+mn-lt"/>
+                <a:ea typeface="+mn-ea"/>
+                <a:cs typeface="+mn-cs"/>
+              </a:defRPr>
+            </a:lvl7pPr>
+            <a:lvl8pPr marL="3771900" indent="-251460" algn="l" defTabSz="1005840" rtl="0" eaLnBrk="1" latinLnBrk="0" hangingPunct="1">
+              <a:lnSpc>
+                <a:spcPct val="90000"/>
+              </a:lnSpc>
+              <a:spcBef>
+                <a:spcPts val="550"/>
+              </a:spcBef>
+              <a:buFont typeface="Arial" panose="020B0604020202020204" pitchFamily="34" charset="0"/>
+              <a:buChar char="•"/>
+              <a:defRPr sz="1980" kern="1200">
+                <a:solidFill>
+                  <a:schemeClr val="tx1"/>
+                </a:solidFill>
+                <a:latin typeface="+mn-lt"/>
+                <a:ea typeface="+mn-ea"/>
+                <a:cs typeface="+mn-cs"/>
+              </a:defRPr>
+            </a:lvl8pPr>
+            <a:lvl9pPr marL="4274820" indent="-251460" algn="l" defTabSz="1005840" rtl="0" eaLnBrk="1" latinLnBrk="0" hangingPunct="1">
+              <a:lnSpc>
+                <a:spcPct val="90000"/>
+              </a:lnSpc>
+              <a:spcBef>
+                <a:spcPts val="550"/>
+              </a:spcBef>
+              <a:buFont typeface="Arial" panose="020B0604020202020204" pitchFamily="34" charset="0"/>
+              <a:buChar char="•"/>
+              <a:defRPr sz="1980" kern="1200">
+                <a:solidFill>
+                  <a:schemeClr val="tx1"/>
+                </a:solidFill>
+                <a:latin typeface="+mn-lt"/>
+                <a:ea typeface="+mn-ea"/>
+                <a:cs typeface="+mn-cs"/>
+              </a:defRPr>
+            </a:lvl9pPr>
+          </a:lstStyle>
+          <a:p>
+            <a:r>
+              <a:rPr lang="sk-SK" sz="1800" dirty="0" err="1">
+                <a:latin typeface="Arial" panose="020B0604020202020204" pitchFamily="34" charset="0"/>
+                <a:cs typeface="Arial" panose="020B0604020202020204" pitchFamily="34" charset="0"/>
+              </a:rPr>
+              <a:t>Markdown</a:t>
+            </a:r>
+            <a:r>
+              <a:rPr lang="sk-SK" sz="1800" dirty="0">
+                <a:latin typeface="Arial" panose="020B0604020202020204" pitchFamily="34" charset="0"/>
+                <a:cs typeface="Arial" panose="020B0604020202020204" pitchFamily="34" charset="0"/>
+              </a:rPr>
+              <a:t> je jednoduchý značkovací jazyk, ktorý umožňuje formátovanie textu</a:t>
+            </a:r>
+          </a:p>
+          <a:p>
+            <a:endParaRPr lang="sk-SK" sz="1800" dirty="0">
+              <a:latin typeface="Arial" panose="020B0604020202020204" pitchFamily="34" charset="0"/>
+              <a:cs typeface="Arial" panose="020B0604020202020204" pitchFamily="34" charset="0"/>
+            </a:endParaRPr>
+          </a:p>
+          <a:p>
+            <a:r>
+              <a:rPr lang="sk-SK" sz="1800" dirty="0">
+                <a:solidFill>
+                  <a:srgbClr val="0078D4"/>
+                </a:solidFill>
+                <a:latin typeface="Arial" panose="020B0604020202020204" pitchFamily="34" charset="0"/>
+                <a:cs typeface="Arial" panose="020B0604020202020204" pitchFamily="34" charset="0"/>
+              </a:rPr>
+              <a:t>Členenie textu</a:t>
+            </a:r>
+          </a:p>
+          <a:p>
+            <a:pPr lvl="1"/>
+            <a:r>
+              <a:rPr lang="sk-SK" sz="1800" dirty="0">
+                <a:latin typeface="Arial" panose="020B0604020202020204" pitchFamily="34" charset="0"/>
+                <a:cs typeface="Arial" panose="020B0604020202020204" pitchFamily="34" charset="0"/>
+              </a:rPr>
+              <a:t>Prechod na nový riadok - dve alebo viac medzier a znak nový riadok</a:t>
+            </a:r>
+          </a:p>
+          <a:p>
+            <a:pPr lvl="1"/>
+            <a:r>
+              <a:rPr lang="sk-SK" sz="1800" dirty="0">
+                <a:latin typeface="Arial" panose="020B0604020202020204" pitchFamily="34" charset="0"/>
+                <a:cs typeface="Arial" panose="020B0604020202020204" pitchFamily="34" charset="0"/>
+              </a:rPr>
+              <a:t>Odstavec – dva, alebo viac znakov nový riadok</a:t>
+            </a:r>
+          </a:p>
+          <a:p>
+            <a:r>
+              <a:rPr lang="sk-SK" sz="1800" dirty="0">
+                <a:solidFill>
+                  <a:srgbClr val="0078D4"/>
+                </a:solidFill>
+                <a:latin typeface="Arial" panose="020B0604020202020204" pitchFamily="34" charset="0"/>
+                <a:cs typeface="Arial" panose="020B0604020202020204" pitchFamily="34" charset="0"/>
+              </a:rPr>
+              <a:t>Zvýraznenie textu</a:t>
+            </a:r>
+          </a:p>
+          <a:p>
+            <a:pPr lvl="1"/>
+            <a:r>
+              <a:rPr lang="sk-SK" sz="1800" dirty="0">
+                <a:latin typeface="Consolas" panose="020B0609020204030204" pitchFamily="49" charset="0"/>
+                <a:cs typeface="Arial" panose="020B0604020202020204" pitchFamily="34" charset="0"/>
+              </a:rPr>
+              <a:t>**tučné**</a:t>
+            </a:r>
+            <a:r>
+              <a:rPr lang="sk-SK" sz="1800" dirty="0">
+                <a:latin typeface="Arial" panose="020B0604020202020204" pitchFamily="34" charset="0"/>
+                <a:cs typeface="Arial" panose="020B0604020202020204" pitchFamily="34" charset="0"/>
+              </a:rPr>
+              <a:t> alebo </a:t>
+            </a:r>
+            <a:r>
+              <a:rPr lang="sk-SK" sz="1800" dirty="0">
+                <a:latin typeface="Consolas" panose="020B0609020204030204" pitchFamily="49" charset="0"/>
+                <a:cs typeface="Arial" panose="020B0604020202020204" pitchFamily="34" charset="0"/>
+              </a:rPr>
+              <a:t>__tučné__</a:t>
+            </a:r>
+          </a:p>
+          <a:p>
+            <a:pPr lvl="1"/>
+            <a:r>
+              <a:rPr lang="sk-SK" sz="1800" dirty="0">
+                <a:latin typeface="Consolas" panose="020B0609020204030204" pitchFamily="49" charset="0"/>
+                <a:cs typeface="Arial" panose="020B0604020202020204" pitchFamily="34" charset="0"/>
+              </a:rPr>
+              <a:t>*kurzíva*</a:t>
+            </a:r>
+            <a:r>
+              <a:rPr lang="sk-SK" sz="1800" dirty="0">
+                <a:latin typeface="Arial" panose="020B0604020202020204" pitchFamily="34" charset="0"/>
+                <a:cs typeface="Arial" panose="020B0604020202020204" pitchFamily="34" charset="0"/>
+              </a:rPr>
+              <a:t> alebo </a:t>
+            </a:r>
+            <a:r>
+              <a:rPr lang="sk-SK" sz="1800" dirty="0">
+                <a:latin typeface="Consolas" panose="020B0609020204030204" pitchFamily="49" charset="0"/>
+                <a:cs typeface="Arial" panose="020B0604020202020204" pitchFamily="34" charset="0"/>
+              </a:rPr>
+              <a:t>_kurzíva_</a:t>
+            </a:r>
+          </a:p>
+          <a:p>
+            <a:pPr lvl="1"/>
+            <a:r>
+              <a:rPr lang="sk-SK" sz="1800" dirty="0">
+                <a:latin typeface="Arial" panose="020B0604020202020204" pitchFamily="34" charset="0"/>
+                <a:cs typeface="Arial" panose="020B0604020202020204" pitchFamily="34" charset="0"/>
+              </a:rPr>
+              <a:t>môžu sa kombinovať, napr. </a:t>
+            </a:r>
+            <a:r>
+              <a:rPr lang="sk-SK" sz="1800" dirty="0">
+                <a:latin typeface="Consolas" panose="020B0609020204030204" pitchFamily="49" charset="0"/>
+                <a:cs typeface="Arial" panose="020B0604020202020204" pitchFamily="34" charset="0"/>
+              </a:rPr>
+              <a:t>**_tučné a kurzíva_**</a:t>
+            </a:r>
+          </a:p>
+          <a:p>
+            <a:pPr lvl="1"/>
+            <a:r>
+              <a:rPr lang="sk-SK" sz="1800" dirty="0">
+                <a:latin typeface="Arial" panose="020B0604020202020204" pitchFamily="34" charset="0"/>
+                <a:cs typeface="Arial" panose="020B0604020202020204" pitchFamily="34" charset="0"/>
+              </a:rPr>
+              <a:t>písmo s pevnou šírkou znakov </a:t>
+            </a:r>
+            <a:r>
+              <a:rPr lang="en-US" sz="1800" dirty="0">
+                <a:latin typeface="Consolas" panose="020B0609020204030204" pitchFamily="49" charset="0"/>
+                <a:cs typeface="Arial" panose="020B0604020202020204" pitchFamily="34" charset="0"/>
+              </a:rPr>
+              <a:t>`monospace`</a:t>
+            </a:r>
+            <a:r>
+              <a:rPr lang="en-US" sz="1800" dirty="0">
+                <a:latin typeface="Arial" panose="020B0604020202020204" pitchFamily="34" charset="0"/>
+                <a:cs typeface="Arial" panose="020B0604020202020204" pitchFamily="34" charset="0"/>
+              </a:rPr>
+              <a:t> (</a:t>
+            </a:r>
+            <a:r>
+              <a:rPr lang="sk-SK" sz="1800" dirty="0">
+                <a:latin typeface="Arial" panose="020B0604020202020204" pitchFamily="34" charset="0"/>
+                <a:cs typeface="Arial" panose="020B0604020202020204" pitchFamily="34" charset="0"/>
+              </a:rPr>
+              <a:t>vhodné pre popis názvov atribútov, príkazov a pod.)</a:t>
+            </a:r>
+            <a:endParaRPr lang="sk-SK" sz="1800" dirty="0">
+              <a:latin typeface="Consolas" panose="020B0609020204030204" pitchFamily="49" charset="0"/>
+              <a:cs typeface="Arial" panose="020B0604020202020204" pitchFamily="34" charset="0"/>
+            </a:endParaRPr>
+          </a:p>
+          <a:p>
+            <a:endParaRPr lang="sk-SK" sz="1800" dirty="0">
+              <a:latin typeface="Consolas" panose="020B0609020204030204" pitchFamily="49" charset="0"/>
+              <a:cs typeface="Arial" panose="020B0604020202020204" pitchFamily="34" charset="0"/>
+            </a:endParaRPr>
+          </a:p>
+          <a:p>
+            <a:endParaRPr lang="sk-SK" sz="1800" dirty="0">
+              <a:latin typeface="Arial" panose="020B0604020202020204" pitchFamily="34" charset="0"/>
+              <a:cs typeface="Arial" panose="020B0604020202020204" pitchFamily="34" charset="0"/>
+            </a:endParaRPr>
+          </a:p>
+          <a:p>
+            <a:pPr marL="0" indent="0">
+              <a:buNone/>
+            </a:pPr>
+            <a:endParaRPr lang="sk-SK" sz="1800" dirty="0">
+              <a:latin typeface="Arial" panose="020B0604020202020204" pitchFamily="34" charset="0"/>
+              <a:cs typeface="Arial" panose="020B0604020202020204" pitchFamily="34" charset="0"/>
+            </a:endParaRPr>
+          </a:p>
+        </p:txBody>
+      </p:sp>
+    </p:spTree>
+    <p:extLst>
+      <p:ext uri="{BB962C8B-B14F-4D97-AF65-F5344CB8AC3E}">
+        <p14:creationId xmlns:p14="http://schemas.microsoft.com/office/powerpoint/2010/main" val="2007341549"/>
+      </p:ext>
+    </p:extLst>
+  </p:cSld>
+  <p:clrMapOvr>
+    <a:masterClrMapping/>
+  </p:clrMapOvr>
+</p:sld>
+</file>
+
+<file path=ppt/slides/slide2.xml><?xml version="1.0" encoding="utf-8"?>
+<p:sld xmlns:a="http://schemas.openxmlformats.org/drawingml/2006/main" xmlns:r="http://schemas.openxmlformats.org/officeDocument/2006/relationships" xmlns:p="http://schemas.openxmlformats.org/presentationml/2006/main">
+  <p:cSld>
+    <p:spTree>
+      <p:nvGrpSpPr>
+        <p:cNvPr id="1" name=""/>
+        <p:cNvGrpSpPr/>
+        <p:nvPr/>
+      </p:nvGrpSpPr>
+      <p:grpSpPr>
+        <a:xfrm>
+          <a:off x="0" y="0"/>
+          <a:ext cx="0" cy="0"/>
+          <a:chOff x="0" y="0"/>
+          <a:chExt cx="0" cy="0"/>
+        </a:xfrm>
+      </p:grpSpPr>
+      <p:sp>
+        <p:nvSpPr>
+          <p:cNvPr id="15" name="Rettangolo 4">
+            <a:extLst>
+              <a:ext uri="{FF2B5EF4-FFF2-40B4-BE49-F238E27FC236}">
+                <a16:creationId xmlns:a16="http://schemas.microsoft.com/office/drawing/2014/main" id="{892E69F8-0D4B-4699-BA3F-52F79874AFC7}"/>
+              </a:ext>
+              <a:ext uri="{C183D7F6-B498-43B3-948B-1728B52AA6E4}">
+                <adec:decorative xmlns:adec="http://schemas.microsoft.com/office/drawing/2017/decorative" val="1"/>
+              </a:ext>
+            </a:extLst>
+          </p:cNvPr>
+          <p:cNvSpPr/>
+          <p:nvPr/>
+        </p:nvSpPr>
+        <p:spPr>
+          <a:xfrm>
+            <a:off x="0" y="3"/>
+            <a:ext cx="10058400" cy="1417946"/>
+          </a:xfrm>
+          <a:prstGeom prst="rect">
+            <a:avLst/>
+          </a:prstGeom>
+          <a:solidFill>
+            <a:srgbClr val="0078D4"/>
+          </a:solidFill>
+          <a:ln>
+            <a:solidFill>
+              <a:srgbClr val="0078D4"/>
+            </a:solidFill>
+          </a:ln>
+        </p:spPr>
+        <p:style>
+          <a:lnRef idx="2">
+            <a:schemeClr val="accent1">
+              <a:shade val="50000"/>
+            </a:schemeClr>
+          </a:lnRef>
+          <a:fillRef idx="1">
+            <a:schemeClr val="accent1"/>
+          </a:fillRef>
+          <a:effectRef idx="0">
+            <a:schemeClr val="accent1"/>
+          </a:effectRef>
+          <a:fontRef idx="minor">
+            <a:schemeClr val="lt1"/>
+          </a:fontRef>
+        </p:style>
+        <p:txBody>
+          <a:bodyPr rot="0" spcFirstLastPara="0" vertOverflow="overflow" horzOverflow="overflow" vert="horz" wrap="square" lIns="62550" tIns="31277" rIns="62550" bIns="31277" numCol="1" spcCol="0" rtlCol="0" fromWordArt="0" anchor="ctr" anchorCtr="0" forceAA="0" compatLnSpc="1">
+            <a:prstTxWarp prst="textNoShape">
+              <a:avLst/>
+            </a:prstTxWarp>
+            <a:noAutofit/>
+          </a:bodyPr>
+          <a:lstStyle/>
+          <a:p>
+            <a:pPr algn="ctr"/>
+            <a:endParaRPr lang="it-IT" sz="1229" dirty="0"/>
+          </a:p>
+        </p:txBody>
+      </p:sp>
+      <p:sp>
+        <p:nvSpPr>
+          <p:cNvPr id="13" name="CasellaDiTesto 15">
+            <a:extLst>
+              <a:ext uri="{FF2B5EF4-FFF2-40B4-BE49-F238E27FC236}">
+                <a16:creationId xmlns:a16="http://schemas.microsoft.com/office/drawing/2014/main" id="{45B08FD9-54A2-4AB5-B4E8-B8B95AC88141}"/>
+              </a:ext>
+            </a:extLst>
+          </p:cNvPr>
+          <p:cNvSpPr txBox="1"/>
+          <p:nvPr/>
+        </p:nvSpPr>
+        <p:spPr>
+          <a:xfrm>
+            <a:off x="450019" y="123422"/>
+            <a:ext cx="9310976" cy="1010533"/>
+          </a:xfrm>
+          <a:prstGeom prst="rect">
+            <a:avLst/>
+          </a:prstGeom>
+          <a:noFill/>
+        </p:spPr>
+        <p:txBody>
+          <a:bodyPr wrap="square" rtlCol="0">
+            <a:spAutoFit/>
+          </a:bodyPr>
+          <a:lstStyle/>
+          <a:p>
+            <a:pPr>
+              <a:lnSpc>
+                <a:spcPct val="150000"/>
+              </a:lnSpc>
+            </a:pPr>
+            <a:r>
+              <a:rPr lang="sk-SK" sz="2400" b="1" dirty="0" err="1">
+                <a:solidFill>
+                  <a:schemeClr val="bg1"/>
+                </a:solidFill>
+                <a:latin typeface="Arial" panose="020B0604020202020204" pitchFamily="34" charset="0"/>
+                <a:ea typeface="Segoe UI" panose="020B0502040204020203" pitchFamily="34" charset="0"/>
+                <a:cs typeface="Arial" panose="020B0604020202020204" pitchFamily="34" charset="0"/>
+              </a:rPr>
+              <a:t>Markdown</a:t>
+            </a:r>
+            <a:endParaRPr lang="sk-SK" sz="2400" b="1" dirty="0">
+              <a:solidFill>
+                <a:schemeClr val="bg1"/>
+              </a:solidFill>
+              <a:latin typeface="Arial" panose="020B0604020202020204" pitchFamily="34" charset="0"/>
+              <a:ea typeface="Segoe UI" panose="020B0502040204020203" pitchFamily="34" charset="0"/>
+              <a:cs typeface="Arial" panose="020B0604020202020204" pitchFamily="34" charset="0"/>
+            </a:endParaRPr>
+          </a:p>
+          <a:p>
+            <a:pPr>
+              <a:lnSpc>
+                <a:spcPct val="150000"/>
+              </a:lnSpc>
+            </a:pPr>
+            <a:r>
+              <a:rPr lang="sk-SK" b="1" dirty="0">
+                <a:solidFill>
+                  <a:schemeClr val="bg1"/>
+                </a:solidFill>
+                <a:latin typeface="Arial" panose="020B0604020202020204" pitchFamily="34" charset="0"/>
+                <a:ea typeface="Segoe UI" panose="020B0502040204020203" pitchFamily="34" charset="0"/>
+                <a:cs typeface="Arial" panose="020B0604020202020204" pitchFamily="34" charset="0"/>
+              </a:rPr>
+              <a:t>Textový popis (2)</a:t>
+            </a:r>
+            <a:endParaRPr lang="sk-SK" dirty="0">
+              <a:solidFill>
+                <a:schemeClr val="bg1"/>
+              </a:solidFill>
+              <a:latin typeface="Arial" panose="020B0604020202020204" pitchFamily="34" charset="0"/>
+              <a:ea typeface="Segoe UI" panose="020B0502040204020203" pitchFamily="34" charset="0"/>
+              <a:cs typeface="Arial" panose="020B0604020202020204" pitchFamily="34" charset="0"/>
+            </a:endParaRPr>
+          </a:p>
+        </p:txBody>
+      </p:sp>
+      <p:sp>
+        <p:nvSpPr>
+          <p:cNvPr id="2" name="Slide Number Placeholder 1">
+            <a:extLst>
+              <a:ext uri="{FF2B5EF4-FFF2-40B4-BE49-F238E27FC236}">
+                <a16:creationId xmlns:a16="http://schemas.microsoft.com/office/drawing/2014/main" id="{0BF35D7B-51F3-E445-9F94-561EB4810A39}"/>
+              </a:ext>
+            </a:extLst>
+          </p:cNvPr>
+          <p:cNvSpPr>
+            <a:spLocks noGrp="1"/>
+          </p:cNvSpPr>
+          <p:nvPr>
+            <p:ph type="sldNum" sz="quarter" idx="12"/>
+          </p:nvPr>
+        </p:nvSpPr>
+        <p:spPr/>
+        <p:txBody>
+          <a:bodyPr/>
+          <a:lstStyle/>
+          <a:p>
+            <a:fld id="{E07A91BD-2D30-4D1B-B388-0538F34CA7E2}" type="slidenum">
+              <a:rPr lang="en-US" smtClean="0"/>
+              <a:t>2</a:t>
+            </a:fld>
+            <a:endParaRPr lang="en-US"/>
           </a:p>
         </p:txBody>
       </p:sp>
@@ -3694,57 +4290,62 @@
           </a:lstStyle>
           <a:p>
             <a:r>
+              <a:rPr lang="sk-SK" sz="1800" dirty="0">
+                <a:solidFill>
+                  <a:srgbClr val="0078D4"/>
+                </a:solidFill>
+                <a:latin typeface="Arial" panose="020B0604020202020204" pitchFamily="34" charset="0"/>
+                <a:cs typeface="Arial" panose="020B0604020202020204" pitchFamily="34" charset="0"/>
+              </a:rPr>
+              <a:t>Nadpisy</a:t>
+            </a:r>
+          </a:p>
+          <a:p>
+            <a:pPr lvl="1"/>
+            <a:r>
               <a:rPr lang="en-US" sz="1800" dirty="0">
-                <a:latin typeface="Arial" panose="020B0604020202020204" pitchFamily="34" charset="0"/>
-                <a:cs typeface="Arial" panose="020B0604020202020204" pitchFamily="34" charset="0"/>
-              </a:rPr>
-              <a:t>Git – </a:t>
+                <a:latin typeface="Consolas" panose="020B0609020204030204" pitchFamily="49" charset="0"/>
+                <a:cs typeface="Arial" panose="020B0604020202020204" pitchFamily="34" charset="0"/>
+              </a:rPr>
+              <a:t># </a:t>
             </a:r>
             <a:r>
               <a:rPr lang="sk-SK" sz="1800" dirty="0">
-                <a:latin typeface="Arial" panose="020B0604020202020204" pitchFamily="34" charset="0"/>
-                <a:cs typeface="Arial" panose="020B0604020202020204" pitchFamily="34" charset="0"/>
-              </a:rPr>
-              <a:t>spravuje verzie v lokálnom adresári na počítači</a:t>
-            </a:r>
-          </a:p>
-          <a:p>
-            <a:r>
-              <a:rPr lang="sk-SK" sz="1800" dirty="0" err="1">
-                <a:latin typeface="Arial" panose="020B0604020202020204" pitchFamily="34" charset="0"/>
-                <a:cs typeface="Arial" panose="020B0604020202020204" pitchFamily="34" charset="0"/>
-              </a:rPr>
-              <a:t>GitHub</a:t>
+                <a:latin typeface="Consolas" panose="020B0609020204030204" pitchFamily="49" charset="0"/>
+                <a:cs typeface="Arial" panose="020B0604020202020204" pitchFamily="34" charset="0"/>
+              </a:rPr>
+              <a:t>Nadpis</a:t>
+            </a:r>
+            <a:r>
+              <a:rPr lang="en-US" sz="1800" dirty="0">
+                <a:latin typeface="Consolas" panose="020B0609020204030204" pitchFamily="49" charset="0"/>
+                <a:cs typeface="Arial" panose="020B0604020202020204" pitchFamily="34" charset="0"/>
+              </a:rPr>
+              <a:t> 1 </a:t>
             </a:r>
             <a:r>
               <a:rPr lang="sk-SK" sz="1800" dirty="0">
-                <a:latin typeface="Arial" panose="020B0604020202020204" pitchFamily="34" charset="0"/>
-                <a:cs typeface="Arial" panose="020B0604020202020204" pitchFamily="34" charset="0"/>
-              </a:rPr>
-              <a:t> – zdieľanie projektov na internete</a:t>
-            </a:r>
-          </a:p>
-          <a:p>
-            <a:r>
-              <a:rPr lang="sk-SK" sz="1800" dirty="0" err="1">
-                <a:latin typeface="Arial" panose="020B0604020202020204" pitchFamily="34" charset="0"/>
-                <a:cs typeface="Arial" panose="020B0604020202020204" pitchFamily="34" charset="0"/>
-              </a:rPr>
-              <a:t>GitHub</a:t>
+                <a:latin typeface="Consolas" panose="020B0609020204030204" pitchFamily="49" charset="0"/>
+                <a:cs typeface="Arial" panose="020B0604020202020204" pitchFamily="34" charset="0"/>
+              </a:rPr>
+              <a:t>úrovne</a:t>
+            </a:r>
+          </a:p>
+          <a:p>
+            <a:pPr lvl="1"/>
+            <a:r>
+              <a:rPr lang="en-US" sz="1800" dirty="0">
+                <a:latin typeface="Consolas" panose="020B0609020204030204" pitchFamily="49" charset="0"/>
+                <a:cs typeface="Arial" panose="020B0604020202020204" pitchFamily="34" charset="0"/>
+              </a:rPr>
+              <a:t>## </a:t>
             </a:r>
             <a:r>
               <a:rPr lang="sk-SK" sz="1800" dirty="0">
-                <a:latin typeface="Arial" panose="020B0604020202020204" pitchFamily="34" charset="0"/>
-                <a:cs typeface="Arial" panose="020B0604020202020204" pitchFamily="34" charset="0"/>
-              </a:rPr>
-              <a:t> Desktop – aplikácia ktorá synchronizuje lokálny adresár s projektom na </a:t>
-            </a:r>
-            <a:r>
-              <a:rPr lang="sk-SK" sz="1800" dirty="0" err="1">
-                <a:latin typeface="Arial" panose="020B0604020202020204" pitchFamily="34" charset="0"/>
-                <a:cs typeface="Arial" panose="020B0604020202020204" pitchFamily="34" charset="0"/>
-              </a:rPr>
-              <a:t>GitHube</a:t>
+                <a:latin typeface="Consolas" panose="020B0609020204030204" pitchFamily="49" charset="0"/>
+                <a:cs typeface="Arial" panose="020B0604020202020204" pitchFamily="34" charset="0"/>
+              </a:rPr>
+              <a:t>Nadpis 2 úrovne</a:t>
             </a:r>
             <a:endParaRPr lang="sk-SK" sz="1800" dirty="0">
               <a:latin typeface="Arial" panose="020B0604020202020204" pitchFamily="34" charset="0"/>
@@ -3752,6 +4353,48 @@
             </a:endParaRPr>
           </a:p>
           <a:p>
+            <a:pPr lvl="1"/>
+            <a:r>
+              <a:rPr lang="sk-SK" sz="1800" dirty="0">
+                <a:latin typeface="Arial" panose="020B0604020202020204" pitchFamily="34" charset="0"/>
+                <a:cs typeface="Arial" panose="020B0604020202020204" pitchFamily="34" charset="0"/>
+              </a:rPr>
+              <a:t>atď. až po 6 úrovní</a:t>
+            </a:r>
+          </a:p>
+          <a:p>
+            <a:pPr lvl="1"/>
+            <a:r>
+              <a:rPr lang="sk-SK" sz="1800" dirty="0">
+                <a:latin typeface="Arial" panose="020B0604020202020204" pitchFamily="34" charset="0"/>
+                <a:cs typeface="Arial" panose="020B0604020202020204" pitchFamily="34" charset="0"/>
+              </a:rPr>
+              <a:t>alternatívne pre prvú a druhú úroveň</a:t>
+            </a:r>
+          </a:p>
+          <a:p>
+            <a:pPr marL="1005840" lvl="2" indent="0">
+              <a:buNone/>
+            </a:pPr>
+            <a:r>
+              <a:rPr lang="sk-SK" sz="1800" dirty="0">
+                <a:latin typeface="Consolas" panose="020B0609020204030204" pitchFamily="49" charset="0"/>
+                <a:cs typeface="Arial" panose="020B0604020202020204" pitchFamily="34" charset="0"/>
+              </a:rPr>
+              <a:t>Nadpis 1 úrovne		Nadpis 2 úrovne</a:t>
+            </a:r>
+          </a:p>
+          <a:p>
+            <a:pPr marL="1005840" lvl="2" indent="0">
+              <a:buNone/>
+            </a:pPr>
+            <a:r>
+              <a:rPr lang="sk-SK" sz="1800" dirty="0">
+                <a:latin typeface="Consolas" panose="020B0609020204030204" pitchFamily="49" charset="0"/>
+                <a:cs typeface="Arial" panose="020B0604020202020204" pitchFamily="34" charset="0"/>
+              </a:rPr>
+              <a:t>===============		---------------</a:t>
+            </a:r>
             <a:endParaRPr lang="sk-SK" sz="1800" dirty="0">
               <a:latin typeface="Arial" panose="020B0604020202020204" pitchFamily="34" charset="0"/>
               <a:cs typeface="Arial" panose="020B0604020202020204" pitchFamily="34" charset="0"/>
@@ -3759,236 +4402,117 @@
           </a:p>
           <a:p>
             <a:r>
-              <a:rPr lang="sk-SK" sz="1800" b="1" dirty="0">
+              <a:rPr lang="sk-SK" sz="1800" dirty="0">
+                <a:solidFill>
+                  <a:srgbClr val="0078D4"/>
+                </a:solidFill>
                 <a:latin typeface="Arial" panose="020B0604020202020204" pitchFamily="34" charset="0"/>
                 <a:cs typeface="Arial" panose="020B0604020202020204" pitchFamily="34" charset="0"/>
               </a:rPr>
-              <a:t>Bežné použitie</a:t>
-            </a:r>
-          </a:p>
-          <a:p>
-            <a:pPr marL="342900" indent="-342900">
-              <a:buFont typeface="+mj-lt"/>
-              <a:buAutoNum type="arabicPeriod"/>
-            </a:pPr>
+              <a:t>Zoznamy</a:t>
+            </a:r>
+          </a:p>
+          <a:p>
+            <a:pPr lvl="1"/>
             <a:r>
               <a:rPr lang="sk-SK" sz="1800" dirty="0">
                 <a:latin typeface="Arial" panose="020B0604020202020204" pitchFamily="34" charset="0"/>
                 <a:cs typeface="Arial" panose="020B0604020202020204" pitchFamily="34" charset="0"/>
               </a:rPr>
-              <a:t>Vytvoríme si projekt na </a:t>
-            </a:r>
-            <a:r>
-              <a:rPr lang="sk-SK" sz="1800" dirty="0" err="1">
-                <a:latin typeface="Arial" panose="020B0604020202020204" pitchFamily="34" charset="0"/>
-                <a:cs typeface="Arial" panose="020B0604020202020204" pitchFamily="34" charset="0"/>
-              </a:rPr>
-              <a:t>GitHube</a:t>
-            </a:r>
+              <a:t>Číslované zoznamy</a:t>
+            </a:r>
+          </a:p>
+          <a:p>
+            <a:pPr marL="1005840" lvl="2" indent="0">
+              <a:buNone/>
+            </a:pPr>
+            <a:r>
+              <a:rPr lang="sk-SK" sz="1800" dirty="0">
+                <a:latin typeface="Consolas" panose="020B0609020204030204" pitchFamily="49" charset="0"/>
+                <a:cs typeface="Arial" panose="020B0604020202020204" pitchFamily="34" charset="0"/>
+              </a:rPr>
+              <a:t>1. prvá položka</a:t>
+            </a:r>
+          </a:p>
+          <a:p>
+            <a:pPr marL="1005840" lvl="2" indent="0">
+              <a:buNone/>
+            </a:pPr>
+            <a:r>
+              <a:rPr lang="sk-SK" sz="1800" dirty="0">
+                <a:latin typeface="Consolas" panose="020B0609020204030204" pitchFamily="49" charset="0"/>
+                <a:cs typeface="Arial" panose="020B0604020202020204" pitchFamily="34" charset="0"/>
+              </a:rPr>
+              <a:t>2. druhá položka</a:t>
+            </a:r>
+          </a:p>
+          <a:p>
+            <a:pPr marL="1005840" lvl="2" indent="0">
+              <a:buNone/>
+            </a:pPr>
+            <a:r>
+              <a:rPr lang="sk-SK" sz="1800" dirty="0">
+                <a:latin typeface="Consolas" panose="020B0609020204030204" pitchFamily="49" charset="0"/>
+                <a:cs typeface="Arial" panose="020B0604020202020204" pitchFamily="34" charset="0"/>
+              </a:rPr>
+              <a:t>3. ...</a:t>
+            </a:r>
+          </a:p>
+          <a:p>
+            <a:pPr lvl="1"/>
             <a:r>
               <a:rPr lang="sk-SK" sz="1800" dirty="0">
                 <a:latin typeface="Arial" panose="020B0604020202020204" pitchFamily="34" charset="0"/>
                 <a:cs typeface="Arial" panose="020B0604020202020204" pitchFamily="34" charset="0"/>
               </a:rPr>
-              <a:t> – </a:t>
-            </a:r>
+              <a:t>Nečíslované zoznamy</a:t>
+            </a:r>
+          </a:p>
+          <a:p>
+            <a:pPr marL="1005840" lvl="2" indent="0">
+              <a:buNone/>
+            </a:pPr>
+            <a:r>
+              <a:rPr lang="sk-SK" sz="1800" dirty="0">
+                <a:latin typeface="Consolas" panose="020B0609020204030204" pitchFamily="49" charset="0"/>
+                <a:cs typeface="Arial" panose="020B0604020202020204" pitchFamily="34" charset="0"/>
+              </a:rPr>
+              <a:t>* prvá položka</a:t>
+            </a:r>
+          </a:p>
+          <a:p>
+            <a:pPr marL="1005840" lvl="2" indent="0">
+              <a:buNone/>
+            </a:pPr>
+            <a:r>
+              <a:rPr lang="sk-SK" sz="1800" dirty="0">
+                <a:latin typeface="Consolas" panose="020B0609020204030204" pitchFamily="49" charset="0"/>
+                <a:cs typeface="Arial" panose="020B0604020202020204" pitchFamily="34" charset="0"/>
+              </a:rPr>
+              <a:t>* druhá položka</a:t>
+            </a:r>
+          </a:p>
+          <a:p>
+            <a:pPr marL="1005840" lvl="2" indent="0">
+              <a:buNone/>
+            </a:pPr>
+            <a:r>
+              <a:rPr lang="sk-SK" sz="1800" dirty="0">
+                <a:latin typeface="Consolas" panose="020B0609020204030204" pitchFamily="49" charset="0"/>
+                <a:cs typeface="Arial" panose="020B0604020202020204" pitchFamily="34" charset="0"/>
+              </a:rPr>
+              <a:t>* ...</a:t>
+            </a:r>
+          </a:p>
+          <a:p>
+            <a:pPr lvl="1"/>
             <a:r>
               <a:rPr lang="sk-SK" sz="1800" dirty="0">
                 <a:latin typeface="Arial" panose="020B0604020202020204" pitchFamily="34" charset="0"/>
                 <a:cs typeface="Arial" panose="020B0604020202020204" pitchFamily="34" charset="0"/>
-                <a:hlinkClick r:id="rId2"/>
-              </a:rPr>
-              <a:t>www.github.com</a:t>
-            </a:r>
-            <a:endParaRPr lang="sk-SK" sz="1800" dirty="0">
-              <a:latin typeface="Arial" panose="020B0604020202020204" pitchFamily="34" charset="0"/>
-              <a:cs typeface="Arial" panose="020B0604020202020204" pitchFamily="34" charset="0"/>
-            </a:endParaRPr>
-          </a:p>
-          <a:p>
-            <a:pPr marL="342900" indent="-342900">
-              <a:buFont typeface="+mj-lt"/>
-              <a:buAutoNum type="arabicPeriod"/>
-            </a:pPr>
-            <a:r>
-              <a:rPr lang="sk-SK" sz="1800" dirty="0">
-                <a:latin typeface="Arial" panose="020B0604020202020204" pitchFamily="34" charset="0"/>
-                <a:cs typeface="Arial" panose="020B0604020202020204" pitchFamily="34" charset="0"/>
-              </a:rPr>
-              <a:t>Cez </a:t>
-            </a:r>
-            <a:r>
-              <a:rPr lang="sk-SK" sz="1800" dirty="0" err="1">
-                <a:latin typeface="Arial" panose="020B0604020202020204" pitchFamily="34" charset="0"/>
-                <a:cs typeface="Arial" panose="020B0604020202020204" pitchFamily="34" charset="0"/>
-              </a:rPr>
-              <a:t>GitHub</a:t>
-            </a:r>
-            <a:r>
-              <a:rPr lang="sk-SK" sz="1800" dirty="0">
-                <a:latin typeface="Arial" panose="020B0604020202020204" pitchFamily="34" charset="0"/>
-                <a:cs typeface="Arial" panose="020B0604020202020204" pitchFamily="34" charset="0"/>
-              </a:rPr>
-              <a:t> Desktop aplikáciu skopíruje projekt z </a:t>
-            </a:r>
-            <a:r>
-              <a:rPr lang="sk-SK" sz="1800" dirty="0" err="1">
-                <a:latin typeface="Arial" panose="020B0604020202020204" pitchFamily="34" charset="0"/>
-                <a:cs typeface="Arial" panose="020B0604020202020204" pitchFamily="34" charset="0"/>
-              </a:rPr>
-              <a:t>GitHubu</a:t>
-            </a:r>
-            <a:r>
-              <a:rPr lang="sk-SK" sz="1800" dirty="0">
-                <a:latin typeface="Arial" panose="020B0604020202020204" pitchFamily="34" charset="0"/>
-                <a:cs typeface="Arial" panose="020B0604020202020204" pitchFamily="34" charset="0"/>
-              </a:rPr>
-              <a:t> do adresára na lokálnom počítači</a:t>
-            </a:r>
-          </a:p>
-          <a:p>
-            <a:pPr marL="342900" indent="-342900">
-              <a:buFont typeface="+mj-lt"/>
-              <a:buAutoNum type="arabicPeriod"/>
-            </a:pPr>
-            <a:r>
-              <a:rPr lang="sk-SK" sz="1800" dirty="0">
-                <a:latin typeface="Arial" panose="020B0604020202020204" pitchFamily="34" charset="0"/>
-                <a:cs typeface="Arial" panose="020B0604020202020204" pitchFamily="34" charset="0"/>
-              </a:rPr>
-              <a:t>Urobíme zmeny v lokálnom adresári (pridáme/zmažeme súbory/adresáre, zmeníme niektorý súbor – primárne budeme editovať zmeny v </a:t>
-            </a:r>
-            <a:r>
-              <a:rPr lang="sk-SK" sz="1800" dirty="0" err="1">
-                <a:latin typeface="Arial" panose="020B0604020202020204" pitchFamily="34" charset="0"/>
-                <a:cs typeface="Arial" panose="020B0604020202020204" pitchFamily="34" charset="0"/>
-              </a:rPr>
-              <a:t>JupyterLabe</a:t>
-            </a:r>
-            <a:r>
-              <a:rPr lang="sk-SK" sz="1800" dirty="0">
-                <a:latin typeface="Arial" panose="020B0604020202020204" pitchFamily="34" charset="0"/>
-                <a:cs typeface="Arial" panose="020B0604020202020204" pitchFamily="34" charset="0"/>
-              </a:rPr>
-              <a:t>)</a:t>
-            </a:r>
-          </a:p>
-          <a:p>
-            <a:pPr marL="342900" indent="-342900">
-              <a:buFont typeface="+mj-lt"/>
-              <a:buAutoNum type="arabicPeriod"/>
-            </a:pPr>
-            <a:r>
-              <a:rPr lang="sk-SK" sz="1800" dirty="0">
-                <a:latin typeface="Arial" panose="020B0604020202020204" pitchFamily="34" charset="0"/>
-                <a:cs typeface="Arial" panose="020B0604020202020204" pitchFamily="34" charset="0"/>
-              </a:rPr>
-              <a:t>Na konci zmien, spustíme </a:t>
-            </a:r>
-            <a:r>
-              <a:rPr lang="sk-SK" sz="1800" dirty="0" err="1">
-                <a:latin typeface="Arial" panose="020B0604020202020204" pitchFamily="34" charset="0"/>
-                <a:cs typeface="Arial" panose="020B0604020202020204" pitchFamily="34" charset="0"/>
-              </a:rPr>
-              <a:t>GitHub</a:t>
-            </a:r>
-            <a:r>
-              <a:rPr lang="sk-SK" sz="1800" dirty="0">
-                <a:latin typeface="Arial" panose="020B0604020202020204" pitchFamily="34" charset="0"/>
-                <a:cs typeface="Arial" panose="020B0604020202020204" pitchFamily="34" charset="0"/>
-              </a:rPr>
-              <a:t> Desktop a</a:t>
-            </a:r>
-          </a:p>
-          <a:p>
-            <a:pPr marL="845820" lvl="1" indent="-342900">
-              <a:buFont typeface="+mj-lt"/>
-              <a:buAutoNum type="arabicPeriod"/>
-            </a:pPr>
-            <a:r>
-              <a:rPr lang="sk-SK" sz="1800" dirty="0">
-                <a:latin typeface="Arial" panose="020B0604020202020204" pitchFamily="34" charset="0"/>
-                <a:cs typeface="Arial" panose="020B0604020202020204" pitchFamily="34" charset="0"/>
-              </a:rPr>
-              <a:t>Prijmeme lokálne zmeny – </a:t>
-            </a:r>
-            <a:r>
-              <a:rPr lang="sk-SK" sz="1800" dirty="0" err="1">
-                <a:latin typeface="Arial" panose="020B0604020202020204" pitchFamily="34" charset="0"/>
-                <a:cs typeface="Arial" panose="020B0604020202020204" pitchFamily="34" charset="0"/>
-              </a:rPr>
-              <a:t>Commit</a:t>
-            </a:r>
-            <a:r>
-              <a:rPr lang="sk-SK" sz="1800" dirty="0">
-                <a:latin typeface="Arial" panose="020B0604020202020204" pitchFamily="34" charset="0"/>
-                <a:cs typeface="Arial" panose="020B0604020202020204" pitchFamily="34" charset="0"/>
-              </a:rPr>
-              <a:t> to </a:t>
-            </a:r>
-            <a:r>
-              <a:rPr lang="sk-SK" sz="1800" dirty="0" err="1">
-                <a:latin typeface="Arial" panose="020B0604020202020204" pitchFamily="34" charset="0"/>
-                <a:cs typeface="Arial" panose="020B0604020202020204" pitchFamily="34" charset="0"/>
-              </a:rPr>
-              <a:t>master</a:t>
-            </a:r>
-            <a:endParaRPr lang="sk-SK" sz="1800" dirty="0">
-              <a:latin typeface="Arial" panose="020B0604020202020204" pitchFamily="34" charset="0"/>
-              <a:cs typeface="Arial" panose="020B0604020202020204" pitchFamily="34" charset="0"/>
-            </a:endParaRPr>
-          </a:p>
-          <a:p>
-            <a:pPr marL="845820" lvl="1" indent="-342900">
-              <a:buFont typeface="+mj-lt"/>
-              <a:buAutoNum type="arabicPeriod"/>
-            </a:pPr>
-            <a:r>
-              <a:rPr lang="sk-SK" sz="1800" dirty="0">
-                <a:latin typeface="Arial" panose="020B0604020202020204" pitchFamily="34" charset="0"/>
-                <a:cs typeface="Arial" panose="020B0604020202020204" pitchFamily="34" charset="0"/>
-              </a:rPr>
-              <a:t>Odošleme zmeny na </a:t>
-            </a:r>
-            <a:r>
-              <a:rPr lang="sk-SK" sz="1800" dirty="0" err="1">
-                <a:latin typeface="Arial" panose="020B0604020202020204" pitchFamily="34" charset="0"/>
-                <a:cs typeface="Arial" panose="020B0604020202020204" pitchFamily="34" charset="0"/>
-              </a:rPr>
-              <a:t>GitHub</a:t>
-            </a:r>
-            <a:r>
-              <a:rPr lang="sk-SK" sz="1800" dirty="0">
-                <a:latin typeface="Arial" panose="020B0604020202020204" pitchFamily="34" charset="0"/>
-                <a:cs typeface="Arial" panose="020B0604020202020204" pitchFamily="34" charset="0"/>
-              </a:rPr>
-              <a:t> – </a:t>
-            </a:r>
-            <a:r>
-              <a:rPr lang="sk-SK" sz="1800" dirty="0" err="1">
-                <a:latin typeface="Arial" panose="020B0604020202020204" pitchFamily="34" charset="0"/>
-                <a:cs typeface="Arial" panose="020B0604020202020204" pitchFamily="34" charset="0"/>
-              </a:rPr>
-              <a:t>Push</a:t>
-            </a:r>
-            <a:r>
-              <a:rPr lang="sk-SK" sz="1800" dirty="0">
-                <a:latin typeface="Arial" panose="020B0604020202020204" pitchFamily="34" charset="0"/>
-                <a:cs typeface="Arial" panose="020B0604020202020204" pitchFamily="34" charset="0"/>
-              </a:rPr>
-              <a:t> </a:t>
-            </a:r>
-            <a:r>
-              <a:rPr lang="sk-SK" sz="1800" dirty="0" err="1">
-                <a:latin typeface="Arial" panose="020B0604020202020204" pitchFamily="34" charset="0"/>
-                <a:cs typeface="Arial" panose="020B0604020202020204" pitchFamily="34" charset="0"/>
-              </a:rPr>
-              <a:t>origin</a:t>
-            </a:r>
-            <a:endParaRPr lang="sk-SK" sz="1800" dirty="0">
-              <a:latin typeface="Arial" panose="020B0604020202020204" pitchFamily="34" charset="0"/>
-              <a:cs typeface="Arial" panose="020B0604020202020204" pitchFamily="34" charset="0"/>
-            </a:endParaRPr>
+              </a:rPr>
+              <a:t>Vnorené zoznamy odsaďte tabulátorom, alebo aspoň 4 medzerami</a:t>
+            </a:r>
           </a:p>
           <a:p>
             <a:pPr marL="0" indent="0">
@@ -3999,46 +4523,12 @@
               <a:cs typeface="Arial" panose="020B0604020202020204" pitchFamily="34" charset="0"/>
             </a:endParaRPr>
           </a:p>
-          <a:p>
-            <a:r>
-              <a:rPr lang="sk-SK" sz="1800" dirty="0">
-                <a:latin typeface="Arial" panose="020B0604020202020204" pitchFamily="34" charset="0"/>
-                <a:cs typeface="Arial" panose="020B0604020202020204" pitchFamily="34" charset="0"/>
-              </a:rPr>
-              <a:t>Git manažuje iba súbory v adresári, ktorý ste skopírovali z </a:t>
-            </a:r>
-            <a:r>
-              <a:rPr lang="sk-SK" sz="1800" dirty="0" err="1">
-                <a:latin typeface="Arial" panose="020B0604020202020204" pitchFamily="34" charset="0"/>
-                <a:cs typeface="Arial" panose="020B0604020202020204" pitchFamily="34" charset="0"/>
-              </a:rPr>
-              <a:t>GitHub</a:t>
-            </a:r>
-            <a:r>
-              <a:rPr lang="sk-SK" sz="1800" dirty="0">
-                <a:latin typeface="Arial" panose="020B0604020202020204" pitchFamily="34" charset="0"/>
-                <a:cs typeface="Arial" panose="020B0604020202020204" pitchFamily="34" charset="0"/>
-              </a:rPr>
-              <a:t>-u.</a:t>
-            </a:r>
-            <a:endParaRPr lang="sk-SK" sz="2000" dirty="0">
-              <a:latin typeface="Arial" panose="020B0604020202020204" pitchFamily="34" charset="0"/>
-              <a:cs typeface="Arial" panose="020B0604020202020204" pitchFamily="34" charset="0"/>
-            </a:endParaRPr>
-          </a:p>
-          <a:p>
-            <a:pPr lvl="1"/>
-            <a:endParaRPr lang="sk-SK" sz="2000" dirty="0">
-              <a:latin typeface="Arial" panose="020B0604020202020204" pitchFamily="34" charset="0"/>
-              <a:cs typeface="Arial" panose="020B0604020202020204" pitchFamily="34" charset="0"/>
-            </a:endParaRPr>
-          </a:p>
         </p:txBody>
       </p:sp>
     </p:spTree>
     <p:extLst>
       <p:ext uri="{BB962C8B-B14F-4D97-AF65-F5344CB8AC3E}">
-        <p14:creationId xmlns:p14="http://schemas.microsoft.com/office/powerpoint/2010/main" val="77933836"/>
+        <p14:creationId xmlns:p14="http://schemas.microsoft.com/office/powerpoint/2010/main" val="827234187"/>
       </p:ext>
     </p:extLst>
   </p:cSld>
@@ -4048,17 +4538,9 @@
 </p:sld>
 </file>
 
-<file path=ppt/slides/slide2.xml><?xml version="1.0" encoding="utf-8"?>
+<file path=ppt/slides/slide3.xml><?xml version="1.0" encoding="utf-8"?>
 <p:sld xmlns:a="http://schemas.openxmlformats.org/drawingml/2006/main" xmlns:r="http://schemas.openxmlformats.org/officeDocument/2006/relationships" xmlns:p="http://schemas.openxmlformats.org/presentationml/2006/main">
   <p:cSld>
-    <p:bg>
-      <p:bgPr>
-        <a:solidFill>
-          <a:srgbClr val="F0F0F0"/>
-        </a:solidFill>
-        <a:effectLst/>
-      </p:bgPr>
-    </p:bg>
     <p:spTree>
       <p:nvGrpSpPr>
         <p:cNvPr id="1" name=""/>
@@ -4150,7 +4632,7 @@
         <p:spPr>
           <a:xfrm>
             <a:off x="450019" y="123422"/>
-            <a:ext cx="9310976" cy="577850"/>
+            <a:ext cx="9310976" cy="1010533"/>
           </a:xfrm>
           <a:prstGeom prst="rect">
             <a:avLst/>
@@ -4169,7 +4651,7 @@
               </a:lnSpc>
             </a:pPr>
             <a:r>
-              <a:rPr lang="en-US" sz="2400" b="1" dirty="0">
+              <a:rPr lang="sk-SK" sz="2400" b="1" dirty="0" err="1">
                 <a:solidFill>
                   <a:schemeClr val="bg1"/>
                 </a:solidFill>
@@ -4177,7 +4659,33 @@
                 <a:ea typeface="Segoe UI" panose="020B0502040204020203" pitchFamily="34" charset="0"/>
                 <a:cs typeface="Arial" panose="020B0604020202020204" pitchFamily="34" charset="0"/>
               </a:rPr>
-              <a:t>Git a GitHub</a:t>
+              <a:t>Markdown</a:t>
+            </a:r>
+            <a:endParaRPr lang="sk-SK" sz="2400" b="1" dirty="0">
+              <a:solidFill>
+                <a:schemeClr val="bg1"/>
+              </a:solidFill>
+              <a:latin typeface="Arial" panose="020B0604020202020204" pitchFamily="34" charset="0"/>
+              <a:ea typeface="Segoe UI" panose="020B0502040204020203" pitchFamily="34" charset="0"/>
+              <a:cs typeface="Arial" panose="020B0604020202020204" pitchFamily="34" charset="0"/>
+            </a:endParaRPr>
+          </a:p>
+          <a:p>
+            <a:pPr>
+              <a:lnSpc>
+                <a:spcPct val="150000"/>
+              </a:lnSpc>
+            </a:pPr>
+            <a:r>
+              <a:rPr lang="sk-SK" b="1" dirty="0">
+                <a:solidFill>
+                  <a:schemeClr val="bg1"/>
+                </a:solidFill>
+                <a:latin typeface="Arial" panose="020B0604020202020204" pitchFamily="34" charset="0"/>
+                <a:ea typeface="Segoe UI" panose="020B0502040204020203" pitchFamily="34" charset="0"/>
+                <a:cs typeface="Arial" panose="020B0604020202020204" pitchFamily="34" charset="0"/>
+              </a:rPr>
+              <a:t>Textový popis (3)</a:t>
             </a:r>
             <a:endParaRPr lang="sk-SK" dirty="0">
               <a:solidFill>
@@ -4213,9 +4721,9 @@
           <a:p>
             <a:fld id="{E07A91BD-2D30-4D1B-B388-0538F34CA7E2}" type="slidenum">
               <a:rPr lang="en-US" smtClean="0"/>
-              <a:t>2</a:t>
+              <a:t>3</a:t>
             </a:fld>
-            <a:endParaRPr lang="en-US" dirty="0"/>
+            <a:endParaRPr lang="en-US"/>
           </a:p>
         </p:txBody>
       </p:sp>
@@ -4411,2656 +4919,373 @@
             </a:lvl9pPr>
           </a:lstStyle>
           <a:p>
+            <a:r>
+              <a:rPr lang="sk-SK" sz="1800" dirty="0">
+                <a:solidFill>
+                  <a:srgbClr val="0078D4"/>
+                </a:solidFill>
+                <a:latin typeface="Arial" panose="020B0604020202020204" pitchFamily="34" charset="0"/>
+                <a:cs typeface="Arial" panose="020B0604020202020204" pitchFamily="34" charset="0"/>
+              </a:rPr>
+              <a:t>Odkazy</a:t>
+            </a:r>
+          </a:p>
+          <a:p>
+            <a:pPr lvl="1"/>
+            <a:r>
+              <a:rPr lang="en-US" sz="1800" dirty="0">
+                <a:latin typeface="Consolas" panose="020B0609020204030204" pitchFamily="49" charset="0"/>
+                <a:cs typeface="Arial" panose="020B0604020202020204" pitchFamily="34" charset="0"/>
+              </a:rPr>
+              <a:t>[text </a:t>
+            </a:r>
+            <a:r>
+              <a:rPr lang="en-US" sz="1800" dirty="0" err="1">
+                <a:latin typeface="Consolas" panose="020B0609020204030204" pitchFamily="49" charset="0"/>
+                <a:cs typeface="Arial" panose="020B0604020202020204" pitchFamily="34" charset="0"/>
+              </a:rPr>
+              <a:t>odkazu</a:t>
+            </a:r>
+            <a:r>
+              <a:rPr lang="en-US" sz="1800" dirty="0">
+                <a:latin typeface="Consolas" panose="020B0609020204030204" pitchFamily="49" charset="0"/>
+                <a:cs typeface="Arial" panose="020B0604020202020204" pitchFamily="34" charset="0"/>
+              </a:rPr>
+              <a:t>](URL </a:t>
+            </a:r>
+            <a:r>
+              <a:rPr lang="en-US" sz="1800" dirty="0" err="1">
+                <a:latin typeface="Consolas" panose="020B0609020204030204" pitchFamily="49" charset="0"/>
+                <a:cs typeface="Arial" panose="020B0604020202020204" pitchFamily="34" charset="0"/>
+              </a:rPr>
+              <a:t>adresa</a:t>
+            </a:r>
+            <a:r>
+              <a:rPr lang="en-US" sz="1800" dirty="0">
+                <a:latin typeface="Consolas" panose="020B0609020204030204" pitchFamily="49" charset="0"/>
+                <a:cs typeface="Arial" panose="020B0604020202020204" pitchFamily="34" charset="0"/>
+              </a:rPr>
+              <a:t>)</a:t>
+            </a:r>
+            <a:r>
+              <a:rPr lang="en-US" sz="1800" dirty="0">
+                <a:latin typeface="Arial" panose="020B0604020202020204" pitchFamily="34" charset="0"/>
+                <a:cs typeface="Arial" panose="020B0604020202020204" pitchFamily="34" charset="0"/>
+              </a:rPr>
+              <a:t>, </a:t>
+            </a:r>
+            <a:r>
+              <a:rPr lang="en-US" sz="1800" dirty="0" err="1">
+                <a:latin typeface="Arial" panose="020B0604020202020204" pitchFamily="34" charset="0"/>
+                <a:cs typeface="Arial" panose="020B0604020202020204" pitchFamily="34" charset="0"/>
+              </a:rPr>
+              <a:t>napr</a:t>
+            </a:r>
+            <a:r>
+              <a:rPr lang="en-US" sz="1800" dirty="0">
+                <a:latin typeface="Arial" panose="020B0604020202020204" pitchFamily="34" charset="0"/>
+                <a:cs typeface="Arial" panose="020B0604020202020204" pitchFamily="34" charset="0"/>
+              </a:rPr>
+              <a:t>.</a:t>
+            </a:r>
             <a:endParaRPr lang="sk-SK" sz="1800" dirty="0">
               <a:latin typeface="Arial" panose="020B0604020202020204" pitchFamily="34" charset="0"/>
               <a:cs typeface="Arial" panose="020B0604020202020204" pitchFamily="34" charset="0"/>
             </a:endParaRPr>
           </a:p>
           <a:p>
-            <a:endParaRPr lang="sk-SK" sz="2000" dirty="0">
-              <a:latin typeface="Arial" panose="020B0604020202020204" pitchFamily="34" charset="0"/>
+            <a:pPr marL="502920" lvl="1" indent="0">
+              <a:buNone/>
+            </a:pPr>
+            <a:r>
+              <a:rPr lang="en-US" sz="1800" dirty="0">
+                <a:latin typeface="Consolas" panose="020B0609020204030204" pitchFamily="49" charset="0"/>
+                <a:cs typeface="Arial" panose="020B0604020202020204" pitchFamily="34" charset="0"/>
+              </a:rPr>
+              <a:t>[</a:t>
+            </a:r>
+            <a:r>
+              <a:rPr lang="en-US" sz="1800" dirty="0" err="1">
+                <a:latin typeface="Consolas" panose="020B0609020204030204" pitchFamily="49" charset="0"/>
+                <a:cs typeface="Arial" panose="020B0604020202020204" pitchFamily="34" charset="0"/>
+              </a:rPr>
+              <a:t>Technick</a:t>
+            </a:r>
+            <a:r>
+              <a:rPr lang="sk-SK" sz="1800" dirty="0">
+                <a:latin typeface="Consolas" panose="020B0609020204030204" pitchFamily="49" charset="0"/>
+                <a:cs typeface="Arial" panose="020B0604020202020204" pitchFamily="34" charset="0"/>
+              </a:rPr>
+              <a:t>á Univerzita</a:t>
+            </a:r>
+            <a:r>
+              <a:rPr lang="en-US" sz="1800" dirty="0">
+                <a:latin typeface="Consolas" panose="020B0609020204030204" pitchFamily="49" charset="0"/>
+                <a:cs typeface="Arial" panose="020B0604020202020204" pitchFamily="34" charset="0"/>
+              </a:rPr>
+              <a:t>]</a:t>
+            </a:r>
+            <a:r>
+              <a:rPr lang="sk-SK" sz="1800" dirty="0">
+                <a:latin typeface="Consolas" panose="020B0609020204030204" pitchFamily="49" charset="0"/>
+                <a:cs typeface="Arial" panose="020B0604020202020204" pitchFamily="34" charset="0"/>
+              </a:rPr>
+              <a:t>(http://www.tuke.sk)</a:t>
+            </a:r>
+          </a:p>
+          <a:p>
+            <a:r>
+              <a:rPr lang="sk-SK" sz="1800" dirty="0">
+                <a:solidFill>
+                  <a:srgbClr val="0078D4"/>
+                </a:solidFill>
+                <a:latin typeface="Arial" panose="020B0604020202020204" pitchFamily="34" charset="0"/>
+                <a:cs typeface="Arial" panose="020B0604020202020204" pitchFamily="34" charset="0"/>
+              </a:rPr>
+              <a:t>Obrázky</a:t>
+            </a:r>
+          </a:p>
+          <a:p>
+            <a:pPr lvl="1"/>
+            <a:r>
+              <a:rPr lang="en-US" sz="1800" dirty="0">
+                <a:latin typeface="Consolas" panose="020B0609020204030204" pitchFamily="49" charset="0"/>
+                <a:cs typeface="Arial" panose="020B0604020202020204" pitchFamily="34" charset="0"/>
+              </a:rPr>
+              <a:t>![</a:t>
+            </a:r>
+            <a:r>
+              <a:rPr lang="sk-SK" sz="1800" dirty="0">
+                <a:latin typeface="Consolas" panose="020B0609020204030204" pitchFamily="49" charset="0"/>
+                <a:cs typeface="Arial" panose="020B0604020202020204" pitchFamily="34" charset="0"/>
+              </a:rPr>
+              <a:t>popis obrázka</a:t>
+            </a:r>
+            <a:r>
+              <a:rPr lang="en-US" sz="1800" dirty="0">
+                <a:latin typeface="Consolas" panose="020B0609020204030204" pitchFamily="49" charset="0"/>
+                <a:cs typeface="Arial" panose="020B0604020202020204" pitchFamily="34" charset="0"/>
+              </a:rPr>
+              <a:t>](URL </a:t>
+            </a:r>
+            <a:r>
+              <a:rPr lang="sk-SK" sz="1800" dirty="0">
+                <a:latin typeface="Consolas" panose="020B0609020204030204" pitchFamily="49" charset="0"/>
+                <a:cs typeface="Arial" panose="020B0604020202020204" pitchFamily="34" charset="0"/>
+              </a:rPr>
+              <a:t>adresa</a:t>
+            </a:r>
+            <a:r>
+              <a:rPr lang="en-US" sz="1800" dirty="0">
+                <a:latin typeface="Consolas" panose="020B0609020204030204" pitchFamily="49" charset="0"/>
+                <a:cs typeface="Arial" panose="020B0604020202020204" pitchFamily="34" charset="0"/>
+              </a:rPr>
+              <a:t>)</a:t>
+            </a:r>
+            <a:r>
+              <a:rPr lang="en-US" sz="1800" dirty="0">
+                <a:latin typeface="Arial" panose="020B0604020202020204" pitchFamily="34" charset="0"/>
+                <a:cs typeface="Arial" panose="020B0604020202020204" pitchFamily="34" charset="0"/>
+              </a:rPr>
+              <a:t>, </a:t>
+            </a:r>
+            <a:r>
+              <a:rPr lang="sk-SK" sz="1800" dirty="0">
+                <a:latin typeface="Arial" panose="020B0604020202020204" pitchFamily="34" charset="0"/>
+                <a:cs typeface="Arial" panose="020B0604020202020204" pitchFamily="34" charset="0"/>
+              </a:rPr>
+              <a:t>napr.</a:t>
+            </a:r>
+          </a:p>
+          <a:p>
+            <a:pPr marL="502920" lvl="1" indent="0">
+              <a:buNone/>
+            </a:pPr>
+            <a:r>
+              <a:rPr lang="en-US" sz="1800" dirty="0">
+                <a:latin typeface="Consolas" panose="020B0609020204030204" pitchFamily="49" charset="0"/>
+                <a:cs typeface="Arial" panose="020B0604020202020204" pitchFamily="34" charset="0"/>
+              </a:rPr>
+              <a:t>![Iris versicolor](</a:t>
+            </a:r>
+            <a:r>
+              <a:rPr lang="en-US" sz="1800" dirty="0" err="1">
+                <a:latin typeface="Consolas" panose="020B0609020204030204" pitchFamily="49" charset="0"/>
+                <a:cs typeface="Arial" panose="020B0604020202020204" pitchFamily="34" charset="0"/>
+              </a:rPr>
+              <a:t>img</a:t>
+            </a:r>
+            <a:r>
+              <a:rPr lang="en-US" sz="1800" dirty="0">
+                <a:latin typeface="Consolas" panose="020B0609020204030204" pitchFamily="49" charset="0"/>
+                <a:cs typeface="Arial" panose="020B0604020202020204" pitchFamily="34" charset="0"/>
+              </a:rPr>
+              <a:t>/Iris.png)</a:t>
+            </a:r>
+            <a:endParaRPr lang="sk-SK" sz="1800" dirty="0">
+              <a:latin typeface="Consolas" panose="020B0609020204030204" pitchFamily="49" charset="0"/>
               <a:cs typeface="Arial" panose="020B0604020202020204" pitchFamily="34" charset="0"/>
             </a:endParaRPr>
           </a:p>
           <a:p>
             <a:pPr lvl="1"/>
-            <a:endParaRPr lang="sk-SK" sz="2000" dirty="0">
-              <a:latin typeface="Arial" panose="020B0604020202020204" pitchFamily="34" charset="0"/>
-              <a:cs typeface="Arial" panose="020B0604020202020204" pitchFamily="34" charset="0"/>
-            </a:endParaRPr>
-          </a:p>
-        </p:txBody>
-      </p:sp>
-      <p:pic>
-        <p:nvPicPr>
-          <p:cNvPr id="3" name="Obrázok 2">
-            <a:extLst>
-              <a:ext uri="{FF2B5EF4-FFF2-40B4-BE49-F238E27FC236}">
-                <a16:creationId xmlns:a16="http://schemas.microsoft.com/office/drawing/2014/main" id="{2E644E55-05AA-432C-8E2A-F7CFE39E3A6A}"/>
-              </a:ext>
-            </a:extLst>
-          </p:cNvPr>
-          <p:cNvPicPr>
-            <a:picLocks noChangeAspect="1"/>
-          </p:cNvPicPr>
-          <p:nvPr/>
-        </p:nvPicPr>
-        <p:blipFill>
-          <a:blip r:embed="rId2"/>
-          <a:stretch>
-            <a:fillRect/>
-          </a:stretch>
-        </p:blipFill>
-        <p:spPr>
-          <a:xfrm>
-            <a:off x="1447907" y="2174665"/>
-            <a:ext cx="7315200" cy="5029200"/>
-          </a:xfrm>
-          <a:prstGeom prst="rect">
-            <a:avLst/>
-          </a:prstGeom>
-        </p:spPr>
-      </p:pic>
-      <p:sp>
-        <p:nvSpPr>
-          <p:cNvPr id="4" name="Obdĺžnik 3">
-            <a:extLst>
-              <a:ext uri="{FF2B5EF4-FFF2-40B4-BE49-F238E27FC236}">
-                <a16:creationId xmlns:a16="http://schemas.microsoft.com/office/drawing/2014/main" id="{B0A35339-2A93-4394-A278-A8F6CA43164B}"/>
-              </a:ext>
-            </a:extLst>
-          </p:cNvPr>
-          <p:cNvSpPr/>
-          <p:nvPr/>
-        </p:nvSpPr>
-        <p:spPr>
-          <a:xfrm>
-            <a:off x="4073235" y="6125216"/>
-            <a:ext cx="2768139" cy="590203"/>
-          </a:xfrm>
-          <a:prstGeom prst="rect">
-            <a:avLst/>
-          </a:prstGeom>
-          <a:noFill/>
-          <a:ln w="9525" cap="flat" cmpd="sng" algn="ctr">
-            <a:solidFill>
-              <a:schemeClr val="accent1"/>
-            </a:solidFill>
-            <a:prstDash val="solid"/>
-            <a:round/>
-            <a:headEnd type="none" w="med" len="med"/>
-            <a:tailEnd type="none" w="med" len="med"/>
-          </a:ln>
-        </p:spPr>
-        <p:style>
-          <a:lnRef idx="0">
-            <a:scrgbClr r="0" g="0" b="0"/>
-          </a:lnRef>
-          <a:fillRef idx="0">
-            <a:scrgbClr r="0" g="0" b="0"/>
-          </a:fillRef>
-          <a:effectRef idx="0">
-            <a:scrgbClr r="0" g="0" b="0"/>
-          </a:effectRef>
-          <a:fontRef idx="minor">
-            <a:schemeClr val="accent1"/>
-          </a:fontRef>
-        </p:style>
-        <p:txBody>
-          <a:bodyPr rtlCol="0" anchor="ctr"/>
-          <a:lstStyle/>
-          <a:p>
-            <a:pPr algn="ctr"/>
-            <a:r>
-              <a:rPr lang="sk-SK" dirty="0"/>
-              <a:t>Prijatie lokálnych zmien</a:t>
-            </a:r>
-          </a:p>
-        </p:txBody>
-      </p:sp>
-      <p:cxnSp>
-        <p:nvCxnSpPr>
-          <p:cNvPr id="6" name="Rovná spojovacia šípka 5">
-            <a:extLst>
-              <a:ext uri="{FF2B5EF4-FFF2-40B4-BE49-F238E27FC236}">
-                <a16:creationId xmlns:a16="http://schemas.microsoft.com/office/drawing/2014/main" id="{DC141298-1C66-443D-8489-AEC530C737B1}"/>
-              </a:ext>
-            </a:extLst>
-          </p:cNvPr>
-          <p:cNvCxnSpPr>
-            <a:cxnSpLocks/>
-            <a:stCxn id="4" idx="1"/>
-          </p:cNvCxnSpPr>
-          <p:nvPr/>
-        </p:nvCxnSpPr>
-        <p:spPr>
-          <a:xfrm flipH="1" flipV="1">
-            <a:off x="3341716" y="5881023"/>
-            <a:ext cx="731519" cy="539295"/>
-          </a:xfrm>
-          <a:prstGeom prst="straightConnector1">
-            <a:avLst/>
-          </a:prstGeom>
-          <a:ln w="19050">
-            <a:headEnd w="lg" len="lg"/>
-            <a:tailEnd type="triangle" w="lg" len="lg"/>
-          </a:ln>
-        </p:spPr>
-        <p:style>
-          <a:lnRef idx="1">
-            <a:schemeClr val="accent1"/>
-          </a:lnRef>
-          <a:fillRef idx="0">
-            <a:schemeClr val="accent1"/>
-          </a:fillRef>
-          <a:effectRef idx="0">
-            <a:schemeClr val="accent1"/>
-          </a:effectRef>
-          <a:fontRef idx="minor">
-            <a:schemeClr val="tx1"/>
-          </a:fontRef>
-        </p:style>
-      </p:cxnSp>
-      <p:cxnSp>
-        <p:nvCxnSpPr>
-          <p:cNvPr id="10" name="Rovná spojovacia šípka 9">
-            <a:extLst>
-              <a:ext uri="{FF2B5EF4-FFF2-40B4-BE49-F238E27FC236}">
-                <a16:creationId xmlns:a16="http://schemas.microsoft.com/office/drawing/2014/main" id="{DC8EC490-ECB4-4112-9D10-5453963BCE37}"/>
-              </a:ext>
-            </a:extLst>
-          </p:cNvPr>
-          <p:cNvCxnSpPr>
-            <a:cxnSpLocks/>
-            <a:stCxn id="4" idx="1"/>
-          </p:cNvCxnSpPr>
-          <p:nvPr/>
-        </p:nvCxnSpPr>
-        <p:spPr>
-          <a:xfrm flipH="1">
-            <a:off x="3341716" y="6420318"/>
-            <a:ext cx="731519" cy="539294"/>
-          </a:xfrm>
-          <a:prstGeom prst="straightConnector1">
-            <a:avLst/>
-          </a:prstGeom>
-          <a:ln w="19050">
-            <a:headEnd w="lg" len="lg"/>
-            <a:tailEnd type="triangle" w="lg" len="lg"/>
-          </a:ln>
-        </p:spPr>
-        <p:style>
-          <a:lnRef idx="1">
-            <a:schemeClr val="accent1"/>
-          </a:lnRef>
-          <a:fillRef idx="0">
-            <a:schemeClr val="accent1"/>
-          </a:fillRef>
-          <a:effectRef idx="0">
-            <a:schemeClr val="accent1"/>
-          </a:effectRef>
-          <a:fontRef idx="minor">
-            <a:schemeClr val="tx1"/>
-          </a:fontRef>
-        </p:style>
-      </p:cxnSp>
-      <p:sp>
-        <p:nvSpPr>
-          <p:cNvPr id="17" name="Obdĺžnik 16">
-            <a:extLst>
-              <a:ext uri="{FF2B5EF4-FFF2-40B4-BE49-F238E27FC236}">
-                <a16:creationId xmlns:a16="http://schemas.microsoft.com/office/drawing/2014/main" id="{CBCBCC20-AABB-4B43-9983-332F527F1CDC}"/>
-              </a:ext>
-            </a:extLst>
-          </p:cNvPr>
-          <p:cNvSpPr/>
-          <p:nvPr/>
-        </p:nvSpPr>
-        <p:spPr>
-          <a:xfrm>
-            <a:off x="1083423" y="3520440"/>
-            <a:ext cx="2017223" cy="590203"/>
-          </a:xfrm>
-          <a:prstGeom prst="rect">
-            <a:avLst/>
-          </a:prstGeom>
-          <a:solidFill>
-            <a:schemeClr val="bg1"/>
-          </a:solidFill>
-          <a:ln w="9525" cap="flat" cmpd="sng" algn="ctr">
-            <a:solidFill>
-              <a:schemeClr val="accent1"/>
-            </a:solidFill>
-            <a:prstDash val="solid"/>
-            <a:round/>
-            <a:headEnd type="none" w="med" len="med"/>
-            <a:tailEnd type="none" w="med" len="med"/>
-          </a:ln>
-        </p:spPr>
-        <p:style>
-          <a:lnRef idx="0">
-            <a:scrgbClr r="0" g="0" b="0"/>
-          </a:lnRef>
-          <a:fillRef idx="0">
-            <a:scrgbClr r="0" g="0" b="0"/>
-          </a:fillRef>
-          <a:effectRef idx="0">
-            <a:scrgbClr r="0" g="0" b="0"/>
-          </a:effectRef>
-          <a:fontRef idx="minor">
-            <a:schemeClr val="accent1"/>
-          </a:fontRef>
-        </p:style>
-        <p:txBody>
-          <a:bodyPr rtlCol="0" anchor="ctr"/>
-          <a:lstStyle/>
-          <a:p>
-            <a:pPr algn="ctr"/>
-            <a:r>
-              <a:rPr lang="sk-SK" dirty="0"/>
-              <a:t>Zoznam zmenených súborov</a:t>
-            </a:r>
-          </a:p>
-        </p:txBody>
-      </p:sp>
-      <p:sp>
-        <p:nvSpPr>
-          <p:cNvPr id="18" name="Obdĺžnik 17">
-            <a:extLst>
-              <a:ext uri="{FF2B5EF4-FFF2-40B4-BE49-F238E27FC236}">
-                <a16:creationId xmlns:a16="http://schemas.microsoft.com/office/drawing/2014/main" id="{8E92C0A8-37E5-437F-AB07-3F0DE89A0BA6}"/>
-              </a:ext>
-            </a:extLst>
-          </p:cNvPr>
-          <p:cNvSpPr/>
-          <p:nvPr/>
-        </p:nvSpPr>
-        <p:spPr>
-          <a:xfrm>
-            <a:off x="5105507" y="4970265"/>
-            <a:ext cx="2854039" cy="590203"/>
-          </a:xfrm>
-          <a:prstGeom prst="rect">
-            <a:avLst/>
-          </a:prstGeom>
-          <a:solidFill>
-            <a:schemeClr val="bg1"/>
-          </a:solidFill>
-          <a:ln w="9525" cap="flat" cmpd="sng" algn="ctr">
-            <a:solidFill>
-              <a:schemeClr val="accent1"/>
-            </a:solidFill>
-            <a:prstDash val="solid"/>
-            <a:round/>
-            <a:headEnd type="none" w="med" len="med"/>
-            <a:tailEnd type="none" w="med" len="med"/>
-          </a:ln>
-        </p:spPr>
-        <p:style>
-          <a:lnRef idx="0">
-            <a:scrgbClr r="0" g="0" b="0"/>
-          </a:lnRef>
-          <a:fillRef idx="0">
-            <a:scrgbClr r="0" g="0" b="0"/>
-          </a:fillRef>
-          <a:effectRef idx="0">
-            <a:scrgbClr r="0" g="0" b="0"/>
-          </a:effectRef>
-          <a:fontRef idx="minor">
-            <a:schemeClr val="accent1"/>
-          </a:fontRef>
-        </p:style>
-        <p:txBody>
-          <a:bodyPr rtlCol="0" anchor="ctr"/>
-          <a:lstStyle/>
-          <a:p>
-            <a:pPr algn="ctr"/>
-            <a:r>
-              <a:rPr lang="sk-SK" dirty="0"/>
-              <a:t>Porovnanie textu zmenených súborov</a:t>
-            </a:r>
-          </a:p>
-        </p:txBody>
-      </p:sp>
-    </p:spTree>
-    <p:extLst>
-      <p:ext uri="{BB962C8B-B14F-4D97-AF65-F5344CB8AC3E}">
-        <p14:creationId xmlns:p14="http://schemas.microsoft.com/office/powerpoint/2010/main" val="227740706"/>
-      </p:ext>
-    </p:extLst>
-  </p:cSld>
-  <p:clrMapOvr>
-    <a:masterClrMapping/>
-  </p:clrMapOvr>
-</p:sld>
-</file>
-
-<file path=ppt/slides/slide3.xml><?xml version="1.0" encoding="utf-8"?>
-<p:sld xmlns:a="http://schemas.openxmlformats.org/drawingml/2006/main" xmlns:r="http://schemas.openxmlformats.org/officeDocument/2006/relationships" xmlns:p="http://schemas.openxmlformats.org/presentationml/2006/main">
-  <p:cSld>
-    <p:bg>
-      <p:bgPr>
-        <a:solidFill>
-          <a:srgbClr val="F0F0F0"/>
-        </a:solidFill>
-        <a:effectLst/>
-      </p:bgPr>
-    </p:bg>
-    <p:spTree>
-      <p:nvGrpSpPr>
-        <p:cNvPr id="1" name=""/>
-        <p:cNvGrpSpPr/>
-        <p:nvPr/>
-      </p:nvGrpSpPr>
-      <p:grpSpPr>
-        <a:xfrm>
-          <a:off x="0" y="0"/>
-          <a:ext cx="0" cy="0"/>
-          <a:chOff x="0" y="0"/>
-          <a:chExt cx="0" cy="0"/>
-        </a:xfrm>
-      </p:grpSpPr>
-      <p:sp>
-        <p:nvSpPr>
-          <p:cNvPr id="15" name="Rettangolo 4">
-            <a:extLst>
-              <a:ext uri="{FF2B5EF4-FFF2-40B4-BE49-F238E27FC236}">
-                <a16:creationId xmlns:a16="http://schemas.microsoft.com/office/drawing/2014/main" id="{892E69F8-0D4B-4699-BA3F-52F79874AFC7}"/>
-              </a:ext>
-              <a:ext uri="{C183D7F6-B498-43B3-948B-1728B52AA6E4}">
-                <adec:decorative xmlns:adec="http://schemas.microsoft.com/office/drawing/2017/decorative" val="1"/>
-              </a:ext>
-            </a:extLst>
-          </p:cNvPr>
-          <p:cNvSpPr/>
-          <p:nvPr/>
-        </p:nvSpPr>
-        <p:spPr>
-          <a:xfrm>
-            <a:off x="0" y="3"/>
-            <a:ext cx="10058400" cy="1417946"/>
-          </a:xfrm>
-          <a:prstGeom prst="rect">
-            <a:avLst/>
-          </a:prstGeom>
-          <a:solidFill>
-            <a:srgbClr val="0078D4"/>
-          </a:solidFill>
-          <a:ln>
-            <a:solidFill>
-              <a:srgbClr val="0078D4"/>
-            </a:solidFill>
-          </a:ln>
-        </p:spPr>
-        <p:style>
-          <a:lnRef idx="2">
-            <a:schemeClr val="accent1">
-              <a:shade val="50000"/>
-            </a:schemeClr>
-          </a:lnRef>
-          <a:fillRef idx="1">
-            <a:schemeClr val="accent1"/>
-          </a:fillRef>
-          <a:effectRef idx="0">
-            <a:schemeClr val="accent1"/>
-          </a:effectRef>
-          <a:fontRef idx="minor">
-            <a:schemeClr val="lt1"/>
-          </a:fontRef>
-        </p:style>
-        <p:txBody>
-          <a:bodyPr rot="0" spcFirstLastPara="0" vertOverflow="overflow" horzOverflow="overflow" vert="horz" wrap="square" lIns="62550" tIns="31277" rIns="62550" bIns="31277" numCol="1" spcCol="0" rtlCol="0" fromWordArt="0" anchor="ctr" anchorCtr="0" forceAA="0" compatLnSpc="1">
-            <a:prstTxWarp prst="textNoShape">
-              <a:avLst/>
-            </a:prstTxWarp>
-            <a:noAutofit/>
-          </a:bodyPr>
-          <a:lstStyle/>
-          <a:p>
-            <a:pPr algn="ctr"/>
-            <a:endParaRPr lang="it-IT" sz="1229" dirty="0"/>
-          </a:p>
-        </p:txBody>
-      </p:sp>
-      <p:sp>
-        <p:nvSpPr>
-          <p:cNvPr id="13" name="CasellaDiTesto 15">
-            <a:extLst>
-              <a:ext uri="{FF2B5EF4-FFF2-40B4-BE49-F238E27FC236}">
-                <a16:creationId xmlns:a16="http://schemas.microsoft.com/office/drawing/2014/main" id="{45B08FD9-54A2-4AB5-B4E8-B8B95AC88141}"/>
-              </a:ext>
-            </a:extLst>
-          </p:cNvPr>
-          <p:cNvSpPr txBox="1"/>
-          <p:nvPr/>
-        </p:nvSpPr>
-        <p:spPr>
-          <a:xfrm>
-            <a:off x="450019" y="123422"/>
-            <a:ext cx="9310976" cy="577850"/>
-          </a:xfrm>
-          <a:prstGeom prst="rect">
-            <a:avLst/>
-          </a:prstGeom>
-          <a:noFill/>
-        </p:spPr>
-        <p:txBody>
-          <a:bodyPr wrap="square" rtlCol="0">
-            <a:spAutoFit/>
-          </a:bodyPr>
-          <a:lstStyle/>
-          <a:p>
-            <a:pPr>
-              <a:lnSpc>
-                <a:spcPct val="150000"/>
-              </a:lnSpc>
-            </a:pPr>
-            <a:r>
-              <a:rPr lang="en-US" sz="2400" b="1" dirty="0">
+            <a:r>
+              <a:rPr lang="sk-SK" sz="1800" dirty="0">
+                <a:latin typeface="Arial" panose="020B0604020202020204" pitchFamily="34" charset="0"/>
+                <a:cs typeface="Arial" panose="020B0604020202020204" pitchFamily="34" charset="0"/>
+              </a:rPr>
+              <a:t>Adresa môže byť aj lokálna cesta relatívne k </a:t>
+            </a:r>
+            <a:r>
+              <a:rPr lang="sk-SK" sz="1800" dirty="0" err="1">
+                <a:latin typeface="Arial" panose="020B0604020202020204" pitchFamily="34" charset="0"/>
+                <a:cs typeface="Arial" panose="020B0604020202020204" pitchFamily="34" charset="0"/>
+              </a:rPr>
+              <a:t>Markdown</a:t>
+            </a:r>
+            <a:r>
+              <a:rPr lang="sk-SK" sz="1800" dirty="0">
+                <a:latin typeface="Arial" panose="020B0604020202020204" pitchFamily="34" charset="0"/>
+                <a:cs typeface="Arial" panose="020B0604020202020204" pitchFamily="34" charset="0"/>
+              </a:rPr>
+              <a:t> súboru</a:t>
+            </a:r>
+          </a:p>
+          <a:p>
+            <a:r>
+              <a:rPr lang="sk-SK" sz="1800" dirty="0">
                 <a:solidFill>
-                  <a:schemeClr val="bg1"/>
+                  <a:srgbClr val="0078D4"/>
                 </a:solidFill>
                 <a:latin typeface="Arial" panose="020B0604020202020204" pitchFamily="34" charset="0"/>
-                <a:ea typeface="Segoe UI" panose="020B0502040204020203" pitchFamily="34" charset="0"/>
-                <a:cs typeface="Arial" panose="020B0604020202020204" pitchFamily="34" charset="0"/>
-              </a:rPr>
-              <a:t>Git a GitHub</a:t>
-            </a:r>
-            <a:endParaRPr lang="sk-SK" dirty="0">
-              <a:solidFill>
-                <a:schemeClr val="bg1"/>
-              </a:solidFill>
-              <a:latin typeface="Arial" panose="020B0604020202020204" pitchFamily="34" charset="0"/>
-              <a:ea typeface="Segoe UI" panose="020B0502040204020203" pitchFamily="34" charset="0"/>
-              <a:cs typeface="Arial" panose="020B0604020202020204" pitchFamily="34" charset="0"/>
-            </a:endParaRPr>
-          </a:p>
-        </p:txBody>
-      </p:sp>
-      <p:sp>
-        <p:nvSpPr>
-          <p:cNvPr id="2" name="Slide Number Placeholder 1">
-            <a:extLst>
-              <a:ext uri="{FF2B5EF4-FFF2-40B4-BE49-F238E27FC236}">
-                <a16:creationId xmlns:a16="http://schemas.microsoft.com/office/drawing/2014/main" id="{0BF35D7B-51F3-E445-9F94-561EB4810A39}"/>
-              </a:ext>
-            </a:extLst>
-          </p:cNvPr>
-          <p:cNvSpPr>
-            <a:spLocks noGrp="1"/>
-          </p:cNvSpPr>
-          <p:nvPr>
-            <p:ph type="sldNum" sz="quarter" idx="12"/>
-          </p:nvPr>
-        </p:nvSpPr>
-        <p:spPr/>
-        <p:txBody>
-          <a:bodyPr/>
-          <a:lstStyle/>
-          <a:p>
-            <a:fld id="{E07A91BD-2D30-4D1B-B388-0538F34CA7E2}" type="slidenum">
-              <a:rPr lang="en-US" smtClean="0"/>
-              <a:t>3</a:t>
-            </a:fld>
-            <a:endParaRPr lang="en-US" dirty="0"/>
-          </a:p>
-        </p:txBody>
-      </p:sp>
-      <p:sp>
-        <p:nvSpPr>
-          <p:cNvPr id="8" name="Zástupný objekt pre obsah 2">
-            <a:extLst>
-              <a:ext uri="{FF2B5EF4-FFF2-40B4-BE49-F238E27FC236}">
-                <a16:creationId xmlns:a16="http://schemas.microsoft.com/office/drawing/2014/main" id="{507CE63D-AB36-EF47-9D75-8D2284C6AC9F}"/>
-              </a:ext>
-            </a:extLst>
-          </p:cNvPr>
-          <p:cNvSpPr txBox="1">
-            <a:spLocks/>
-          </p:cNvSpPr>
-          <p:nvPr/>
-        </p:nvSpPr>
-        <p:spPr>
-          <a:xfrm>
-            <a:off x="373712" y="1957243"/>
-            <a:ext cx="9310976" cy="5246622"/>
-          </a:xfrm>
-          <a:prstGeom prst="rect">
-            <a:avLst/>
-          </a:prstGeom>
-        </p:spPr>
-        <p:txBody>
-          <a:bodyPr>
-            <a:normAutofit/>
-          </a:bodyPr>
-          <a:lstStyle>
-            <a:lvl1pPr marL="251460" indent="-251460" algn="l" defTabSz="1005840" rtl="0" eaLnBrk="1" latinLnBrk="0" hangingPunct="1">
-              <a:lnSpc>
-                <a:spcPct val="90000"/>
-              </a:lnSpc>
-              <a:spcBef>
-                <a:spcPts val="1100"/>
-              </a:spcBef>
-              <a:buFont typeface="Arial" panose="020B0604020202020204" pitchFamily="34" charset="0"/>
-              <a:buChar char="•"/>
-              <a:defRPr sz="3080" kern="1200">
-                <a:solidFill>
-                  <a:schemeClr val="tx1"/>
-                </a:solidFill>
-                <a:latin typeface="+mn-lt"/>
-                <a:ea typeface="+mn-ea"/>
-                <a:cs typeface="+mn-cs"/>
-              </a:defRPr>
-            </a:lvl1pPr>
-            <a:lvl2pPr marL="754380" indent="-251460" algn="l" defTabSz="1005840" rtl="0" eaLnBrk="1" latinLnBrk="0" hangingPunct="1">
-              <a:lnSpc>
-                <a:spcPct val="90000"/>
-              </a:lnSpc>
-              <a:spcBef>
-                <a:spcPts val="550"/>
-              </a:spcBef>
-              <a:buFont typeface="Arial" panose="020B0604020202020204" pitchFamily="34" charset="0"/>
-              <a:buChar char="•"/>
-              <a:defRPr sz="2640" kern="1200">
-                <a:solidFill>
-                  <a:schemeClr val="tx1"/>
-                </a:solidFill>
-                <a:latin typeface="+mn-lt"/>
-                <a:ea typeface="+mn-ea"/>
-                <a:cs typeface="+mn-cs"/>
-              </a:defRPr>
-            </a:lvl2pPr>
-            <a:lvl3pPr marL="1257300" indent="-251460" algn="l" defTabSz="1005840" rtl="0" eaLnBrk="1" latinLnBrk="0" hangingPunct="1">
-              <a:lnSpc>
-                <a:spcPct val="90000"/>
-              </a:lnSpc>
-              <a:spcBef>
-                <a:spcPts val="550"/>
-              </a:spcBef>
-              <a:buFont typeface="Arial" panose="020B0604020202020204" pitchFamily="34" charset="0"/>
-              <a:buChar char="•"/>
-              <a:defRPr sz="2200" kern="1200">
-                <a:solidFill>
-                  <a:schemeClr val="tx1"/>
-                </a:solidFill>
-                <a:latin typeface="+mn-lt"/>
-                <a:ea typeface="+mn-ea"/>
-                <a:cs typeface="+mn-cs"/>
-              </a:defRPr>
-            </a:lvl3pPr>
-            <a:lvl4pPr marL="1760220" indent="-251460" algn="l" defTabSz="1005840" rtl="0" eaLnBrk="1" latinLnBrk="0" hangingPunct="1">
-              <a:lnSpc>
-                <a:spcPct val="90000"/>
-              </a:lnSpc>
-              <a:spcBef>
-                <a:spcPts val="550"/>
-              </a:spcBef>
-              <a:buFont typeface="Arial" panose="020B0604020202020204" pitchFamily="34" charset="0"/>
-              <a:buChar char="•"/>
-              <a:defRPr sz="1980" kern="1200">
-                <a:solidFill>
-                  <a:schemeClr val="tx1"/>
-                </a:solidFill>
-                <a:latin typeface="+mn-lt"/>
-                <a:ea typeface="+mn-ea"/>
-                <a:cs typeface="+mn-cs"/>
-              </a:defRPr>
-            </a:lvl4pPr>
-            <a:lvl5pPr marL="2263140" indent="-251460" algn="l" defTabSz="1005840" rtl="0" eaLnBrk="1" latinLnBrk="0" hangingPunct="1">
-              <a:lnSpc>
-                <a:spcPct val="90000"/>
-              </a:lnSpc>
-              <a:spcBef>
-                <a:spcPts val="550"/>
-              </a:spcBef>
-              <a:buFont typeface="Arial" panose="020B0604020202020204" pitchFamily="34" charset="0"/>
-              <a:buChar char="•"/>
-              <a:defRPr sz="1980" kern="1200">
-                <a:solidFill>
-                  <a:schemeClr val="tx1"/>
-                </a:solidFill>
-                <a:latin typeface="+mn-lt"/>
-                <a:ea typeface="+mn-ea"/>
-                <a:cs typeface="+mn-cs"/>
-              </a:defRPr>
-            </a:lvl5pPr>
-            <a:lvl6pPr marL="2766060" indent="-251460" algn="l" defTabSz="1005840" rtl="0" eaLnBrk="1" latinLnBrk="0" hangingPunct="1">
-              <a:lnSpc>
-                <a:spcPct val="90000"/>
-              </a:lnSpc>
-              <a:spcBef>
-                <a:spcPts val="550"/>
-              </a:spcBef>
-              <a:buFont typeface="Arial" panose="020B0604020202020204" pitchFamily="34" charset="0"/>
-              <a:buChar char="•"/>
-              <a:defRPr sz="1980" kern="1200">
-                <a:solidFill>
-                  <a:schemeClr val="tx1"/>
-                </a:solidFill>
-                <a:latin typeface="+mn-lt"/>
-                <a:ea typeface="+mn-ea"/>
-                <a:cs typeface="+mn-cs"/>
-              </a:defRPr>
-            </a:lvl6pPr>
-            <a:lvl7pPr marL="3268980" indent="-251460" algn="l" defTabSz="1005840" rtl="0" eaLnBrk="1" latinLnBrk="0" hangingPunct="1">
-              <a:lnSpc>
-                <a:spcPct val="90000"/>
-              </a:lnSpc>
-              <a:spcBef>
-                <a:spcPts val="550"/>
-              </a:spcBef>
-              <a:buFont typeface="Arial" panose="020B0604020202020204" pitchFamily="34" charset="0"/>
-              <a:buChar char="•"/>
-              <a:defRPr sz="1980" kern="1200">
-                <a:solidFill>
-                  <a:schemeClr val="tx1"/>
-                </a:solidFill>
-                <a:latin typeface="+mn-lt"/>
-                <a:ea typeface="+mn-ea"/>
-                <a:cs typeface="+mn-cs"/>
-              </a:defRPr>
-            </a:lvl7pPr>
-            <a:lvl8pPr marL="3771900" indent="-251460" algn="l" defTabSz="1005840" rtl="0" eaLnBrk="1" latinLnBrk="0" hangingPunct="1">
-              <a:lnSpc>
-                <a:spcPct val="90000"/>
-              </a:lnSpc>
-              <a:spcBef>
-                <a:spcPts val="550"/>
-              </a:spcBef>
-              <a:buFont typeface="Arial" panose="020B0604020202020204" pitchFamily="34" charset="0"/>
-              <a:buChar char="•"/>
-              <a:defRPr sz="1980" kern="1200">
-                <a:solidFill>
-                  <a:schemeClr val="tx1"/>
-                </a:solidFill>
-                <a:latin typeface="+mn-lt"/>
-                <a:ea typeface="+mn-ea"/>
-                <a:cs typeface="+mn-cs"/>
-              </a:defRPr>
-            </a:lvl8pPr>
-            <a:lvl9pPr marL="4274820" indent="-251460" algn="l" defTabSz="1005840" rtl="0" eaLnBrk="1" latinLnBrk="0" hangingPunct="1">
-              <a:lnSpc>
-                <a:spcPct val="90000"/>
-              </a:lnSpc>
-              <a:spcBef>
-                <a:spcPts val="550"/>
-              </a:spcBef>
-              <a:buFont typeface="Arial" panose="020B0604020202020204" pitchFamily="34" charset="0"/>
-              <a:buChar char="•"/>
-              <a:defRPr sz="1980" kern="1200">
-                <a:solidFill>
-                  <a:schemeClr val="tx1"/>
-                </a:solidFill>
-                <a:latin typeface="+mn-lt"/>
-                <a:ea typeface="+mn-ea"/>
-                <a:cs typeface="+mn-cs"/>
-              </a:defRPr>
-            </a:lvl9pPr>
-          </a:lstStyle>
-          <a:p>
+                <a:cs typeface="Arial" panose="020B0604020202020204" pitchFamily="34" charset="0"/>
+              </a:rPr>
+              <a:t>Rozšírené formátovanie</a:t>
+            </a:r>
+          </a:p>
+          <a:p>
+            <a:pPr lvl="1"/>
+            <a:r>
+              <a:rPr lang="sk-SK" sz="1800" dirty="0">
+                <a:latin typeface="Arial" panose="020B0604020202020204" pitchFamily="34" charset="0"/>
+                <a:cs typeface="Arial" panose="020B0604020202020204" pitchFamily="34" charset="0"/>
+              </a:rPr>
+              <a:t>Niektoré sú špecifické iba pre dané prostredie (</a:t>
+            </a:r>
+            <a:r>
+              <a:rPr lang="sk-SK" sz="1800" dirty="0" err="1">
+                <a:latin typeface="Arial" panose="020B0604020202020204" pitchFamily="34" charset="0"/>
+                <a:cs typeface="Arial" panose="020B0604020202020204" pitchFamily="34" charset="0"/>
+              </a:rPr>
+              <a:t>JupyterLab</a:t>
+            </a:r>
+            <a:r>
+              <a:rPr lang="sk-SK" sz="1800" dirty="0">
+                <a:latin typeface="Arial" panose="020B0604020202020204" pitchFamily="34" charset="0"/>
+                <a:cs typeface="Arial" panose="020B0604020202020204" pitchFamily="34" charset="0"/>
+              </a:rPr>
+              <a:t> alebo </a:t>
+            </a:r>
+            <a:r>
+              <a:rPr lang="sk-SK" sz="1800" dirty="0" err="1">
+                <a:latin typeface="Arial" panose="020B0604020202020204" pitchFamily="34" charset="0"/>
+                <a:cs typeface="Arial" panose="020B0604020202020204" pitchFamily="34" charset="0"/>
+              </a:rPr>
+              <a:t>GitHub</a:t>
+            </a:r>
+            <a:r>
+              <a:rPr lang="sk-SK" sz="1800" dirty="0">
+                <a:latin typeface="Arial" panose="020B0604020202020204" pitchFamily="34" charset="0"/>
+                <a:cs typeface="Arial" panose="020B0604020202020204" pitchFamily="34" charset="0"/>
+              </a:rPr>
+              <a:t>)</a:t>
+            </a:r>
+          </a:p>
+          <a:p>
+            <a:pPr lvl="1"/>
+            <a:r>
+              <a:rPr lang="sk-SK" sz="1800" dirty="0">
+                <a:latin typeface="Arial" panose="020B0604020202020204" pitchFamily="34" charset="0"/>
+                <a:cs typeface="Arial" panose="020B0604020202020204" pitchFamily="34" charset="0"/>
+              </a:rPr>
+              <a:t>Tabuľky, zoznamy úloh, </a:t>
+            </a:r>
+            <a:r>
+              <a:rPr lang="sk-SK" sz="1800" dirty="0" err="1">
+                <a:latin typeface="Arial" panose="020B0604020202020204" pitchFamily="34" charset="0"/>
+                <a:cs typeface="Arial" panose="020B0604020202020204" pitchFamily="34" charset="0"/>
+              </a:rPr>
+              <a:t>emotikony</a:t>
+            </a:r>
+            <a:r>
+              <a:rPr lang="sk-SK" sz="1800" dirty="0">
+                <a:latin typeface="Arial" panose="020B0604020202020204" pitchFamily="34" charset="0"/>
+                <a:cs typeface="Arial" panose="020B0604020202020204" pitchFamily="34" charset="0"/>
+              </a:rPr>
+              <a:t> ...</a:t>
+            </a:r>
+          </a:p>
+          <a:p>
+            <a:pPr lvl="1"/>
+            <a:r>
+              <a:rPr lang="en-US" sz="1800" dirty="0">
+                <a:latin typeface="Arial" panose="020B0604020202020204" pitchFamily="34" charset="0"/>
+                <a:cs typeface="Arial" panose="020B0604020202020204" pitchFamily="34" charset="0"/>
+                <a:hlinkClick r:id="rId2"/>
+              </a:rPr>
+              <a:t>https://guides.github.com/features/mastering-markdown/</a:t>
+            </a:r>
             <a:endParaRPr lang="sk-SK" sz="1800" dirty="0">
               <a:latin typeface="Arial" panose="020B0604020202020204" pitchFamily="34" charset="0"/>
               <a:cs typeface="Arial" panose="020B0604020202020204" pitchFamily="34" charset="0"/>
             </a:endParaRPr>
           </a:p>
           <a:p>
-            <a:endParaRPr lang="sk-SK" sz="2000" dirty="0">
-              <a:latin typeface="Arial" panose="020B0604020202020204" pitchFamily="34" charset="0"/>
-              <a:cs typeface="Arial" panose="020B0604020202020204" pitchFamily="34" charset="0"/>
-            </a:endParaRPr>
-          </a:p>
-          <a:p>
             <a:pPr lvl="1"/>
-            <a:endParaRPr lang="sk-SK" sz="2000" dirty="0">
-              <a:latin typeface="Arial" panose="020B0604020202020204" pitchFamily="34" charset="0"/>
-              <a:cs typeface="Arial" panose="020B0604020202020204" pitchFamily="34" charset="0"/>
-            </a:endParaRPr>
-          </a:p>
-        </p:txBody>
-      </p:sp>
-      <p:pic>
-        <p:nvPicPr>
-          <p:cNvPr id="4" name="Obrázok 3">
-            <a:extLst>
-              <a:ext uri="{FF2B5EF4-FFF2-40B4-BE49-F238E27FC236}">
-                <a16:creationId xmlns:a16="http://schemas.microsoft.com/office/drawing/2014/main" id="{E6E7C481-3DFC-4420-BD7D-40982CB9EC1D}"/>
-              </a:ext>
-            </a:extLst>
-          </p:cNvPr>
-          <p:cNvPicPr>
-            <a:picLocks noChangeAspect="1"/>
-          </p:cNvPicPr>
-          <p:nvPr/>
-        </p:nvPicPr>
-        <p:blipFill>
-          <a:blip r:embed="rId2"/>
-          <a:stretch>
-            <a:fillRect/>
-          </a:stretch>
-        </p:blipFill>
-        <p:spPr>
-          <a:xfrm>
-            <a:off x="1371600" y="2174665"/>
-            <a:ext cx="7315200" cy="5029200"/>
-          </a:xfrm>
-          <a:prstGeom prst="rect">
-            <a:avLst/>
-          </a:prstGeom>
-        </p:spPr>
-      </p:pic>
-      <p:sp>
-        <p:nvSpPr>
-          <p:cNvPr id="9" name="Obdĺžnik 8">
-            <a:extLst>
-              <a:ext uri="{FF2B5EF4-FFF2-40B4-BE49-F238E27FC236}">
-                <a16:creationId xmlns:a16="http://schemas.microsoft.com/office/drawing/2014/main" id="{832A1B4F-AE47-4EE1-A5BA-A677A8FC3F4F}"/>
-              </a:ext>
-            </a:extLst>
-          </p:cNvPr>
-          <p:cNvSpPr/>
-          <p:nvPr/>
-        </p:nvSpPr>
-        <p:spPr>
-          <a:xfrm>
-            <a:off x="5510922" y="4925291"/>
-            <a:ext cx="3009206" cy="590203"/>
-          </a:xfrm>
-          <a:prstGeom prst="rect">
-            <a:avLst/>
-          </a:prstGeom>
-          <a:solidFill>
-            <a:schemeClr val="bg1"/>
-          </a:solidFill>
-          <a:ln w="9525" cap="flat" cmpd="sng" algn="ctr">
-            <a:solidFill>
-              <a:schemeClr val="accent1"/>
-            </a:solidFill>
-            <a:prstDash val="solid"/>
-            <a:round/>
-            <a:headEnd type="none" w="med" len="med"/>
-            <a:tailEnd type="none" w="med" len="med"/>
-          </a:ln>
-        </p:spPr>
-        <p:style>
-          <a:lnRef idx="0">
-            <a:scrgbClr r="0" g="0" b="0"/>
-          </a:lnRef>
-          <a:fillRef idx="0">
-            <a:scrgbClr r="0" g="0" b="0"/>
-          </a:fillRef>
-          <a:effectRef idx="0">
-            <a:scrgbClr r="0" g="0" b="0"/>
-          </a:effectRef>
-          <a:fontRef idx="minor">
-            <a:schemeClr val="accent1"/>
-          </a:fontRef>
-        </p:style>
-        <p:txBody>
-          <a:bodyPr rtlCol="0" anchor="ctr"/>
-          <a:lstStyle/>
-          <a:p>
-            <a:pPr algn="ctr"/>
-            <a:r>
-              <a:rPr lang="sk-SK" dirty="0"/>
-              <a:t>Odoslanie lokálnych zmien na </a:t>
-            </a:r>
-            <a:r>
-              <a:rPr lang="sk-SK" dirty="0" err="1"/>
-              <a:t>GitHub</a:t>
-            </a:r>
-            <a:endParaRPr lang="sk-SK" dirty="0"/>
-          </a:p>
-        </p:txBody>
-      </p:sp>
-      <p:cxnSp>
-        <p:nvCxnSpPr>
-          <p:cNvPr id="10" name="Rovná spojovacia šípka 9">
-            <a:extLst>
-              <a:ext uri="{FF2B5EF4-FFF2-40B4-BE49-F238E27FC236}">
-                <a16:creationId xmlns:a16="http://schemas.microsoft.com/office/drawing/2014/main" id="{7DD52747-6B0D-49AE-8A61-A62FEB47C2B6}"/>
-              </a:ext>
-            </a:extLst>
-          </p:cNvPr>
-          <p:cNvCxnSpPr>
-            <a:cxnSpLocks/>
-          </p:cNvCxnSpPr>
-          <p:nvPr/>
-        </p:nvCxnSpPr>
-        <p:spPr>
-          <a:xfrm flipV="1">
-            <a:off x="7015525" y="4477223"/>
-            <a:ext cx="773500" cy="448068"/>
-          </a:xfrm>
-          <a:prstGeom prst="straightConnector1">
-            <a:avLst/>
-          </a:prstGeom>
-          <a:ln w="19050">
-            <a:headEnd w="lg" len="lg"/>
-            <a:tailEnd type="triangle" w="lg" len="lg"/>
-          </a:ln>
-        </p:spPr>
-        <p:style>
-          <a:lnRef idx="1">
-            <a:schemeClr val="accent1"/>
-          </a:lnRef>
-          <a:fillRef idx="0">
-            <a:schemeClr val="accent1"/>
-          </a:fillRef>
-          <a:effectRef idx="0">
-            <a:schemeClr val="accent1"/>
-          </a:effectRef>
-          <a:fontRef idx="minor">
-            <a:schemeClr val="tx1"/>
-          </a:fontRef>
-        </p:style>
-      </p:cxnSp>
-    </p:spTree>
-    <p:extLst>
-      <p:ext uri="{BB962C8B-B14F-4D97-AF65-F5344CB8AC3E}">
-        <p14:creationId xmlns:p14="http://schemas.microsoft.com/office/powerpoint/2010/main" val="3906213021"/>
-      </p:ext>
-    </p:extLst>
-  </p:cSld>
-  <p:clrMapOvr>
-    <a:masterClrMapping/>
-  </p:clrMapOvr>
-</p:sld>
-</file>
-
-<file path=ppt/slides/slide4.xml><?xml version="1.0" encoding="utf-8"?>
-<p:sld xmlns:a="http://schemas.openxmlformats.org/drawingml/2006/main" xmlns:r="http://schemas.openxmlformats.org/officeDocument/2006/relationships" xmlns:p="http://schemas.openxmlformats.org/presentationml/2006/main">
-  <p:cSld>
-    <p:bg>
-      <p:bgPr>
-        <a:solidFill>
-          <a:srgbClr val="F0F0F0"/>
-        </a:solidFill>
-        <a:effectLst/>
-      </p:bgPr>
-    </p:bg>
-    <p:spTree>
-      <p:nvGrpSpPr>
-        <p:cNvPr id="1" name=""/>
-        <p:cNvGrpSpPr/>
-        <p:nvPr/>
-      </p:nvGrpSpPr>
-      <p:grpSpPr>
-        <a:xfrm>
-          <a:off x="0" y="0"/>
-          <a:ext cx="0" cy="0"/>
-          <a:chOff x="0" y="0"/>
-          <a:chExt cx="0" cy="0"/>
-        </a:xfrm>
-      </p:grpSpPr>
-      <p:sp>
-        <p:nvSpPr>
-          <p:cNvPr id="15" name="Rettangolo 4">
-            <a:extLst>
-              <a:ext uri="{FF2B5EF4-FFF2-40B4-BE49-F238E27FC236}">
-                <a16:creationId xmlns:a16="http://schemas.microsoft.com/office/drawing/2014/main" id="{892E69F8-0D4B-4699-BA3F-52F79874AFC7}"/>
-              </a:ext>
-              <a:ext uri="{C183D7F6-B498-43B3-948B-1728B52AA6E4}">
-                <adec:decorative xmlns:adec="http://schemas.microsoft.com/office/drawing/2017/decorative" val="1"/>
-              </a:ext>
-            </a:extLst>
-          </p:cNvPr>
-          <p:cNvSpPr/>
-          <p:nvPr/>
-        </p:nvSpPr>
-        <p:spPr>
-          <a:xfrm>
-            <a:off x="0" y="3"/>
-            <a:ext cx="10058400" cy="1417946"/>
-          </a:xfrm>
-          <a:prstGeom prst="rect">
-            <a:avLst/>
-          </a:prstGeom>
-          <a:solidFill>
-            <a:srgbClr val="0078D4"/>
-          </a:solidFill>
-          <a:ln>
-            <a:solidFill>
-              <a:srgbClr val="0078D4"/>
-            </a:solidFill>
-          </a:ln>
-        </p:spPr>
-        <p:style>
-          <a:lnRef idx="2">
-            <a:schemeClr val="accent1">
-              <a:shade val="50000"/>
-            </a:schemeClr>
-          </a:lnRef>
-          <a:fillRef idx="1">
-            <a:schemeClr val="accent1"/>
-          </a:fillRef>
-          <a:effectRef idx="0">
-            <a:schemeClr val="accent1"/>
-          </a:effectRef>
-          <a:fontRef idx="minor">
-            <a:schemeClr val="lt1"/>
-          </a:fontRef>
-        </p:style>
-        <p:txBody>
-          <a:bodyPr rot="0" spcFirstLastPara="0" vertOverflow="overflow" horzOverflow="overflow" vert="horz" wrap="square" lIns="62550" tIns="31277" rIns="62550" bIns="31277" numCol="1" spcCol="0" rtlCol="0" fromWordArt="0" anchor="ctr" anchorCtr="0" forceAA="0" compatLnSpc="1">
-            <a:prstTxWarp prst="textNoShape">
-              <a:avLst/>
-            </a:prstTxWarp>
-            <a:noAutofit/>
-          </a:bodyPr>
-          <a:lstStyle/>
-          <a:p>
-            <a:pPr algn="ctr"/>
-            <a:endParaRPr lang="it-IT" sz="1229" dirty="0"/>
-          </a:p>
-        </p:txBody>
-      </p:sp>
-      <p:sp>
-        <p:nvSpPr>
-          <p:cNvPr id="13" name="CasellaDiTesto 15">
-            <a:extLst>
-              <a:ext uri="{FF2B5EF4-FFF2-40B4-BE49-F238E27FC236}">
-                <a16:creationId xmlns:a16="http://schemas.microsoft.com/office/drawing/2014/main" id="{45B08FD9-54A2-4AB5-B4E8-B8B95AC88141}"/>
-              </a:ext>
-            </a:extLst>
-          </p:cNvPr>
-          <p:cNvSpPr txBox="1"/>
-          <p:nvPr/>
-        </p:nvSpPr>
-        <p:spPr>
-          <a:xfrm>
-            <a:off x="450019" y="123422"/>
-            <a:ext cx="9310976" cy="577850"/>
-          </a:xfrm>
-          <a:prstGeom prst="rect">
-            <a:avLst/>
-          </a:prstGeom>
-          <a:noFill/>
-        </p:spPr>
-        <p:txBody>
-          <a:bodyPr wrap="square" rtlCol="0">
-            <a:spAutoFit/>
-          </a:bodyPr>
-          <a:lstStyle/>
-          <a:p>
-            <a:pPr>
-              <a:lnSpc>
-                <a:spcPct val="150000"/>
-              </a:lnSpc>
-            </a:pPr>
-            <a:r>
-              <a:rPr lang="en-US" sz="2400" b="1" dirty="0">
-                <a:solidFill>
-                  <a:schemeClr val="bg1"/>
-                </a:solidFill>
+            <a:r>
+              <a:rPr lang="en-US" sz="1800" dirty="0">
                 <a:latin typeface="Arial" panose="020B0604020202020204" pitchFamily="34" charset="0"/>
-                <a:ea typeface="Segoe UI" panose="020B0502040204020203" pitchFamily="34" charset="0"/>
-                <a:cs typeface="Arial" panose="020B0604020202020204" pitchFamily="34" charset="0"/>
-              </a:rPr>
-              <a:t>Git a GitHub</a:t>
-            </a:r>
-            <a:endParaRPr lang="sk-SK" dirty="0">
-              <a:solidFill>
-                <a:schemeClr val="bg1"/>
-              </a:solidFill>
-              <a:latin typeface="Arial" panose="020B0604020202020204" pitchFamily="34" charset="0"/>
-              <a:ea typeface="Segoe UI" panose="020B0502040204020203" pitchFamily="34" charset="0"/>
-              <a:cs typeface="Arial" panose="020B0604020202020204" pitchFamily="34" charset="0"/>
-            </a:endParaRPr>
-          </a:p>
-        </p:txBody>
-      </p:sp>
-      <p:sp>
-        <p:nvSpPr>
-          <p:cNvPr id="2" name="Slide Number Placeholder 1">
-            <a:extLst>
-              <a:ext uri="{FF2B5EF4-FFF2-40B4-BE49-F238E27FC236}">
-                <a16:creationId xmlns:a16="http://schemas.microsoft.com/office/drawing/2014/main" id="{0BF35D7B-51F3-E445-9F94-561EB4810A39}"/>
-              </a:ext>
-            </a:extLst>
-          </p:cNvPr>
-          <p:cNvSpPr>
-            <a:spLocks noGrp="1"/>
-          </p:cNvSpPr>
-          <p:nvPr>
-            <p:ph type="sldNum" sz="quarter" idx="12"/>
-          </p:nvPr>
-        </p:nvSpPr>
-        <p:spPr/>
-        <p:txBody>
-          <a:bodyPr/>
-          <a:lstStyle/>
-          <a:p>
-            <a:fld id="{E07A91BD-2D30-4D1B-B388-0538F34CA7E2}" type="slidenum">
-              <a:rPr lang="en-US" smtClean="0"/>
-              <a:t>4</a:t>
-            </a:fld>
-            <a:endParaRPr lang="en-US" dirty="0"/>
-          </a:p>
-        </p:txBody>
-      </p:sp>
-      <p:sp>
-        <p:nvSpPr>
-          <p:cNvPr id="8" name="Zástupný objekt pre obsah 2">
-            <a:extLst>
-              <a:ext uri="{FF2B5EF4-FFF2-40B4-BE49-F238E27FC236}">
-                <a16:creationId xmlns:a16="http://schemas.microsoft.com/office/drawing/2014/main" id="{507CE63D-AB36-EF47-9D75-8D2284C6AC9F}"/>
-              </a:ext>
-            </a:extLst>
-          </p:cNvPr>
-          <p:cNvSpPr txBox="1">
-            <a:spLocks/>
-          </p:cNvSpPr>
-          <p:nvPr/>
-        </p:nvSpPr>
-        <p:spPr>
-          <a:xfrm>
-            <a:off x="373712" y="1957243"/>
-            <a:ext cx="9310976" cy="5246622"/>
-          </a:xfrm>
-          <a:prstGeom prst="rect">
-            <a:avLst/>
-          </a:prstGeom>
-        </p:spPr>
-        <p:txBody>
-          <a:bodyPr>
-            <a:normAutofit/>
-          </a:bodyPr>
-          <a:lstStyle>
-            <a:lvl1pPr marL="251460" indent="-251460" algn="l" defTabSz="1005840" rtl="0" eaLnBrk="1" latinLnBrk="0" hangingPunct="1">
-              <a:lnSpc>
-                <a:spcPct val="90000"/>
-              </a:lnSpc>
-              <a:spcBef>
-                <a:spcPts val="1100"/>
-              </a:spcBef>
-              <a:buFont typeface="Arial" panose="020B0604020202020204" pitchFamily="34" charset="0"/>
-              <a:buChar char="•"/>
-              <a:defRPr sz="3080" kern="1200">
-                <a:solidFill>
-                  <a:schemeClr val="tx1"/>
-                </a:solidFill>
-                <a:latin typeface="+mn-lt"/>
-                <a:ea typeface="+mn-ea"/>
-                <a:cs typeface="+mn-cs"/>
-              </a:defRPr>
-            </a:lvl1pPr>
-            <a:lvl2pPr marL="754380" indent="-251460" algn="l" defTabSz="1005840" rtl="0" eaLnBrk="1" latinLnBrk="0" hangingPunct="1">
-              <a:lnSpc>
-                <a:spcPct val="90000"/>
-              </a:lnSpc>
-              <a:spcBef>
-                <a:spcPts val="550"/>
-              </a:spcBef>
-              <a:buFont typeface="Arial" panose="020B0604020202020204" pitchFamily="34" charset="0"/>
-              <a:buChar char="•"/>
-              <a:defRPr sz="2640" kern="1200">
-                <a:solidFill>
-                  <a:schemeClr val="tx1"/>
-                </a:solidFill>
-                <a:latin typeface="+mn-lt"/>
-                <a:ea typeface="+mn-ea"/>
-                <a:cs typeface="+mn-cs"/>
-              </a:defRPr>
-            </a:lvl2pPr>
-            <a:lvl3pPr marL="1257300" indent="-251460" algn="l" defTabSz="1005840" rtl="0" eaLnBrk="1" latinLnBrk="0" hangingPunct="1">
-              <a:lnSpc>
-                <a:spcPct val="90000"/>
-              </a:lnSpc>
-              <a:spcBef>
-                <a:spcPts val="550"/>
-              </a:spcBef>
-              <a:buFont typeface="Arial" panose="020B0604020202020204" pitchFamily="34" charset="0"/>
-              <a:buChar char="•"/>
-              <a:defRPr sz="2200" kern="1200">
-                <a:solidFill>
-                  <a:schemeClr val="tx1"/>
-                </a:solidFill>
-                <a:latin typeface="+mn-lt"/>
-                <a:ea typeface="+mn-ea"/>
-                <a:cs typeface="+mn-cs"/>
-              </a:defRPr>
-            </a:lvl3pPr>
-            <a:lvl4pPr marL="1760220" indent="-251460" algn="l" defTabSz="1005840" rtl="0" eaLnBrk="1" latinLnBrk="0" hangingPunct="1">
-              <a:lnSpc>
-                <a:spcPct val="90000"/>
-              </a:lnSpc>
-              <a:spcBef>
-                <a:spcPts val="550"/>
-              </a:spcBef>
-              <a:buFont typeface="Arial" panose="020B0604020202020204" pitchFamily="34" charset="0"/>
-              <a:buChar char="•"/>
-              <a:defRPr sz="1980" kern="1200">
-                <a:solidFill>
-                  <a:schemeClr val="tx1"/>
-                </a:solidFill>
-                <a:latin typeface="+mn-lt"/>
-                <a:ea typeface="+mn-ea"/>
-                <a:cs typeface="+mn-cs"/>
-              </a:defRPr>
-            </a:lvl4pPr>
-            <a:lvl5pPr marL="2263140" indent="-251460" algn="l" defTabSz="1005840" rtl="0" eaLnBrk="1" latinLnBrk="0" hangingPunct="1">
-              <a:lnSpc>
-                <a:spcPct val="90000"/>
-              </a:lnSpc>
-              <a:spcBef>
-                <a:spcPts val="550"/>
-              </a:spcBef>
-              <a:buFont typeface="Arial" panose="020B0604020202020204" pitchFamily="34" charset="0"/>
-              <a:buChar char="•"/>
-              <a:defRPr sz="1980" kern="1200">
-                <a:solidFill>
-                  <a:schemeClr val="tx1"/>
-                </a:solidFill>
-                <a:latin typeface="+mn-lt"/>
-                <a:ea typeface="+mn-ea"/>
-                <a:cs typeface="+mn-cs"/>
-              </a:defRPr>
-            </a:lvl5pPr>
-            <a:lvl6pPr marL="2766060" indent="-251460" algn="l" defTabSz="1005840" rtl="0" eaLnBrk="1" latinLnBrk="0" hangingPunct="1">
-              <a:lnSpc>
-                <a:spcPct val="90000"/>
-              </a:lnSpc>
-              <a:spcBef>
-                <a:spcPts val="550"/>
-              </a:spcBef>
-              <a:buFont typeface="Arial" panose="020B0604020202020204" pitchFamily="34" charset="0"/>
-              <a:buChar char="•"/>
-              <a:defRPr sz="1980" kern="1200">
-                <a:solidFill>
-                  <a:schemeClr val="tx1"/>
-                </a:solidFill>
-                <a:latin typeface="+mn-lt"/>
-                <a:ea typeface="+mn-ea"/>
-                <a:cs typeface="+mn-cs"/>
-              </a:defRPr>
-            </a:lvl6pPr>
-            <a:lvl7pPr marL="3268980" indent="-251460" algn="l" defTabSz="1005840" rtl="0" eaLnBrk="1" latinLnBrk="0" hangingPunct="1">
-              <a:lnSpc>
-                <a:spcPct val="90000"/>
-              </a:lnSpc>
-              <a:spcBef>
-                <a:spcPts val="550"/>
-              </a:spcBef>
-              <a:buFont typeface="Arial" panose="020B0604020202020204" pitchFamily="34" charset="0"/>
-              <a:buChar char="•"/>
-              <a:defRPr sz="1980" kern="1200">
-                <a:solidFill>
-                  <a:schemeClr val="tx1"/>
-                </a:solidFill>
-                <a:latin typeface="+mn-lt"/>
-                <a:ea typeface="+mn-ea"/>
-                <a:cs typeface="+mn-cs"/>
-              </a:defRPr>
-            </a:lvl7pPr>
-            <a:lvl8pPr marL="3771900" indent="-251460" algn="l" defTabSz="1005840" rtl="0" eaLnBrk="1" latinLnBrk="0" hangingPunct="1">
-              <a:lnSpc>
-                <a:spcPct val="90000"/>
-              </a:lnSpc>
-              <a:spcBef>
-                <a:spcPts val="550"/>
-              </a:spcBef>
-              <a:buFont typeface="Arial" panose="020B0604020202020204" pitchFamily="34" charset="0"/>
-              <a:buChar char="•"/>
-              <a:defRPr sz="1980" kern="1200">
-                <a:solidFill>
-                  <a:schemeClr val="tx1"/>
-                </a:solidFill>
-                <a:latin typeface="+mn-lt"/>
-                <a:ea typeface="+mn-ea"/>
-                <a:cs typeface="+mn-cs"/>
-              </a:defRPr>
-            </a:lvl8pPr>
-            <a:lvl9pPr marL="4274820" indent="-251460" algn="l" defTabSz="1005840" rtl="0" eaLnBrk="1" latinLnBrk="0" hangingPunct="1">
-              <a:lnSpc>
-                <a:spcPct val="90000"/>
-              </a:lnSpc>
-              <a:spcBef>
-                <a:spcPts val="550"/>
-              </a:spcBef>
-              <a:buFont typeface="Arial" panose="020B0604020202020204" pitchFamily="34" charset="0"/>
-              <a:buChar char="•"/>
-              <a:defRPr sz="1980" kern="1200">
-                <a:solidFill>
-                  <a:schemeClr val="tx1"/>
-                </a:solidFill>
-                <a:latin typeface="+mn-lt"/>
-                <a:ea typeface="+mn-ea"/>
-                <a:cs typeface="+mn-cs"/>
-              </a:defRPr>
-            </a:lvl9pPr>
-          </a:lstStyle>
-          <a:p>
+                <a:cs typeface="Arial" panose="020B0604020202020204" pitchFamily="34" charset="0"/>
+                <a:hlinkClick r:id="rId3"/>
+              </a:rPr>
+              <a:t>https://github.com/ikatyang/emoji-cheat-sheet/blob/master/README.md</a:t>
+            </a:r>
             <a:endParaRPr lang="sk-SK" sz="1800" dirty="0">
               <a:latin typeface="Arial" panose="020B0604020202020204" pitchFamily="34" charset="0"/>
               <a:cs typeface="Arial" panose="020B0604020202020204" pitchFamily="34" charset="0"/>
             </a:endParaRPr>
           </a:p>
           <a:p>
-            <a:endParaRPr lang="sk-SK" sz="2000" dirty="0">
+            <a:pPr lvl="1"/>
+            <a:endParaRPr lang="en-US" sz="1800" dirty="0">
               <a:latin typeface="Arial" panose="020B0604020202020204" pitchFamily="34" charset="0"/>
               <a:cs typeface="Arial" panose="020B0604020202020204" pitchFamily="34" charset="0"/>
             </a:endParaRPr>
           </a:p>
           <a:p>
-            <a:pPr lvl="1"/>
-            <a:endParaRPr lang="sk-SK" sz="2000" dirty="0">
-              <a:latin typeface="Arial" panose="020B0604020202020204" pitchFamily="34" charset="0"/>
-              <a:cs typeface="Arial" panose="020B0604020202020204" pitchFamily="34" charset="0"/>
-            </a:endParaRPr>
-          </a:p>
-        </p:txBody>
-      </p:sp>
-      <p:pic>
-        <p:nvPicPr>
-          <p:cNvPr id="3" name="Obrázok 2">
-            <a:extLst>
-              <a:ext uri="{FF2B5EF4-FFF2-40B4-BE49-F238E27FC236}">
-                <a16:creationId xmlns:a16="http://schemas.microsoft.com/office/drawing/2014/main" id="{B0B44D78-72A5-4737-A0A4-A1E91435F286}"/>
-              </a:ext>
-            </a:extLst>
-          </p:cNvPr>
-          <p:cNvPicPr>
-            <a:picLocks noChangeAspect="1"/>
-          </p:cNvPicPr>
-          <p:nvPr/>
-        </p:nvPicPr>
-        <p:blipFill>
-          <a:blip r:embed="rId2"/>
-          <a:stretch>
-            <a:fillRect/>
-          </a:stretch>
-        </p:blipFill>
-        <p:spPr>
-          <a:xfrm>
-            <a:off x="1371600" y="2174665"/>
-            <a:ext cx="7315200" cy="5029200"/>
-          </a:xfrm>
-          <a:prstGeom prst="rect">
-            <a:avLst/>
-          </a:prstGeom>
-        </p:spPr>
-      </p:pic>
-      <p:sp>
-        <p:nvSpPr>
-          <p:cNvPr id="9" name="Obdĺžnik 8">
-            <a:extLst>
-              <a:ext uri="{FF2B5EF4-FFF2-40B4-BE49-F238E27FC236}">
-                <a16:creationId xmlns:a16="http://schemas.microsoft.com/office/drawing/2014/main" id="{5DC5581E-E164-4828-A199-569F7BFC275E}"/>
-              </a:ext>
-            </a:extLst>
-          </p:cNvPr>
-          <p:cNvSpPr/>
-          <p:nvPr/>
-        </p:nvSpPr>
-        <p:spPr>
-          <a:xfrm>
-            <a:off x="3806812" y="5943842"/>
-            <a:ext cx="3691268" cy="1151312"/>
-          </a:xfrm>
-          <a:prstGeom prst="rect">
-            <a:avLst/>
-          </a:prstGeom>
-          <a:solidFill>
-            <a:schemeClr val="bg1"/>
-          </a:solidFill>
-          <a:ln w="9525" cap="flat" cmpd="sng" algn="ctr">
-            <a:solidFill>
-              <a:schemeClr val="accent1"/>
-            </a:solidFill>
-            <a:prstDash val="solid"/>
-            <a:round/>
-            <a:headEnd type="none" w="med" len="med"/>
-            <a:tailEnd type="none" w="med" len="med"/>
-          </a:ln>
-        </p:spPr>
-        <p:style>
-          <a:lnRef idx="0">
-            <a:scrgbClr r="0" g="0" b="0"/>
-          </a:lnRef>
-          <a:fillRef idx="0">
-            <a:scrgbClr r="0" g="0" b="0"/>
-          </a:fillRef>
-          <a:effectRef idx="0">
-            <a:scrgbClr r="0" g="0" b="0"/>
-          </a:effectRef>
-          <a:fontRef idx="minor">
-            <a:schemeClr val="accent1"/>
-          </a:fontRef>
-        </p:style>
-        <p:txBody>
-          <a:bodyPr rtlCol="0" anchor="ctr"/>
-          <a:lstStyle/>
-          <a:p>
-            <a:pPr algn="ctr"/>
-            <a:r>
-              <a:rPr lang="sk-SK" dirty="0"/>
-              <a:t>Všetky lokálne zmeny sú synchronizované medzi lokálnym adresárom a </a:t>
-            </a:r>
-            <a:r>
-              <a:rPr lang="sk-SK" dirty="0" err="1"/>
-              <a:t>GitHub-om</a:t>
-            </a:r>
-            <a:endParaRPr lang="sk-SK" dirty="0"/>
-          </a:p>
-        </p:txBody>
-      </p:sp>
-    </p:spTree>
-    <p:extLst>
-      <p:ext uri="{BB962C8B-B14F-4D97-AF65-F5344CB8AC3E}">
-        <p14:creationId xmlns:p14="http://schemas.microsoft.com/office/powerpoint/2010/main" val="3929204911"/>
-      </p:ext>
-    </p:extLst>
-  </p:cSld>
-  <p:clrMapOvr>
-    <a:masterClrMapping/>
-  </p:clrMapOvr>
-</p:sld>
-</file>
-
-<file path=ppt/slides/slide5.xml><?xml version="1.0" encoding="utf-8"?>
-<p:sld xmlns:a="http://schemas.openxmlformats.org/drawingml/2006/main" xmlns:r="http://schemas.openxmlformats.org/officeDocument/2006/relationships" xmlns:p="http://schemas.openxmlformats.org/presentationml/2006/main">
-  <p:cSld>
-    <p:bg>
-      <p:bgPr>
-        <a:solidFill>
-          <a:srgbClr val="F0F0F0"/>
-        </a:solidFill>
-        <a:effectLst/>
-      </p:bgPr>
-    </p:bg>
-    <p:spTree>
-      <p:nvGrpSpPr>
-        <p:cNvPr id="1" name=""/>
-        <p:cNvGrpSpPr/>
-        <p:nvPr/>
-      </p:nvGrpSpPr>
-      <p:grpSpPr>
-        <a:xfrm>
-          <a:off x="0" y="0"/>
-          <a:ext cx="0" cy="0"/>
-          <a:chOff x="0" y="0"/>
-          <a:chExt cx="0" cy="0"/>
-        </a:xfrm>
-      </p:grpSpPr>
-      <p:sp>
-        <p:nvSpPr>
-          <p:cNvPr id="15" name="Rettangolo 4">
-            <a:extLst>
-              <a:ext uri="{FF2B5EF4-FFF2-40B4-BE49-F238E27FC236}">
-                <a16:creationId xmlns:a16="http://schemas.microsoft.com/office/drawing/2014/main" id="{892E69F8-0D4B-4699-BA3F-52F79874AFC7}"/>
-              </a:ext>
-              <a:ext uri="{C183D7F6-B498-43B3-948B-1728B52AA6E4}">
-                <adec:decorative xmlns:adec="http://schemas.microsoft.com/office/drawing/2017/decorative" val="1"/>
-              </a:ext>
-            </a:extLst>
-          </p:cNvPr>
-          <p:cNvSpPr/>
-          <p:nvPr/>
-        </p:nvSpPr>
-        <p:spPr>
-          <a:xfrm>
-            <a:off x="0" y="3"/>
-            <a:ext cx="10058400" cy="1417946"/>
-          </a:xfrm>
-          <a:prstGeom prst="rect">
-            <a:avLst/>
-          </a:prstGeom>
-          <a:solidFill>
-            <a:srgbClr val="0078D4"/>
-          </a:solidFill>
-          <a:ln>
-            <a:solidFill>
-              <a:srgbClr val="0078D4"/>
-            </a:solidFill>
-          </a:ln>
-        </p:spPr>
-        <p:style>
-          <a:lnRef idx="2">
-            <a:schemeClr val="accent1">
-              <a:shade val="50000"/>
-            </a:schemeClr>
-          </a:lnRef>
-          <a:fillRef idx="1">
-            <a:schemeClr val="accent1"/>
-          </a:fillRef>
-          <a:effectRef idx="0">
-            <a:schemeClr val="accent1"/>
-          </a:effectRef>
-          <a:fontRef idx="minor">
-            <a:schemeClr val="lt1"/>
-          </a:fontRef>
-        </p:style>
-        <p:txBody>
-          <a:bodyPr rot="0" spcFirstLastPara="0" vertOverflow="overflow" horzOverflow="overflow" vert="horz" wrap="square" lIns="62550" tIns="31277" rIns="62550" bIns="31277" numCol="1" spcCol="0" rtlCol="0" fromWordArt="0" anchor="ctr" anchorCtr="0" forceAA="0" compatLnSpc="1">
-            <a:prstTxWarp prst="textNoShape">
-              <a:avLst/>
-            </a:prstTxWarp>
-            <a:noAutofit/>
-          </a:bodyPr>
-          <a:lstStyle/>
-          <a:p>
-            <a:pPr algn="ctr"/>
-            <a:endParaRPr lang="it-IT" sz="1229" dirty="0"/>
-          </a:p>
-        </p:txBody>
-      </p:sp>
-      <p:sp>
-        <p:nvSpPr>
-          <p:cNvPr id="13" name="CasellaDiTesto 15">
-            <a:extLst>
-              <a:ext uri="{FF2B5EF4-FFF2-40B4-BE49-F238E27FC236}">
-                <a16:creationId xmlns:a16="http://schemas.microsoft.com/office/drawing/2014/main" id="{45B08FD9-54A2-4AB5-B4E8-B8B95AC88141}"/>
-              </a:ext>
-            </a:extLst>
-          </p:cNvPr>
-          <p:cNvSpPr txBox="1"/>
-          <p:nvPr/>
-        </p:nvSpPr>
-        <p:spPr>
-          <a:xfrm>
-            <a:off x="450019" y="123422"/>
-            <a:ext cx="9310976" cy="1010533"/>
-          </a:xfrm>
-          <a:prstGeom prst="rect">
-            <a:avLst/>
-          </a:prstGeom>
-          <a:noFill/>
-        </p:spPr>
-        <p:txBody>
-          <a:bodyPr wrap="square" rtlCol="0">
-            <a:spAutoFit/>
-          </a:bodyPr>
-          <a:lstStyle/>
-          <a:p>
-            <a:pPr>
-              <a:lnSpc>
-                <a:spcPct val="150000"/>
-              </a:lnSpc>
+            <a:pPr marL="0" indent="0">
+              <a:buNone/>
             </a:pPr>
-            <a:r>
-              <a:rPr lang="en-US" sz="2400" b="1" dirty="0">
-                <a:solidFill>
-                  <a:schemeClr val="bg1"/>
-                </a:solidFill>
-                <a:latin typeface="Arial" panose="020B0604020202020204" pitchFamily="34" charset="0"/>
-                <a:ea typeface="Segoe UI" panose="020B0502040204020203" pitchFamily="34" charset="0"/>
-                <a:cs typeface="Arial" panose="020B0604020202020204" pitchFamily="34" charset="0"/>
-              </a:rPr>
-              <a:t>Git a GitHub</a:t>
-            </a:r>
-            <a:endParaRPr lang="sk-SK" sz="2400" b="1" dirty="0">
-              <a:solidFill>
-                <a:schemeClr val="bg1"/>
-              </a:solidFill>
-              <a:latin typeface="Arial" panose="020B0604020202020204" pitchFamily="34" charset="0"/>
-              <a:ea typeface="Segoe UI" panose="020B0502040204020203" pitchFamily="34" charset="0"/>
-              <a:cs typeface="Arial" panose="020B0604020202020204" pitchFamily="34" charset="0"/>
-            </a:endParaRPr>
-          </a:p>
-          <a:p>
-            <a:pPr>
-              <a:lnSpc>
-                <a:spcPct val="150000"/>
-              </a:lnSpc>
-            </a:pPr>
-            <a:r>
-              <a:rPr lang="sk-SK" b="1" dirty="0">
-                <a:solidFill>
-                  <a:schemeClr val="bg1"/>
-                </a:solidFill>
-                <a:latin typeface="Arial" panose="020B0604020202020204" pitchFamily="34" charset="0"/>
-                <a:ea typeface="Segoe UI" panose="020B0502040204020203" pitchFamily="34" charset="0"/>
-                <a:cs typeface="Arial" panose="020B0604020202020204" pitchFamily="34" charset="0"/>
-              </a:rPr>
-              <a:t>Domáci/pracovný počítač</a:t>
-            </a:r>
-            <a:endParaRPr lang="sk-SK" dirty="0">
-              <a:solidFill>
-                <a:schemeClr val="bg1"/>
-              </a:solidFill>
-              <a:latin typeface="Arial" panose="020B0604020202020204" pitchFamily="34" charset="0"/>
-              <a:ea typeface="Segoe UI" panose="020B0502040204020203" pitchFamily="34" charset="0"/>
-              <a:cs typeface="Arial" panose="020B0604020202020204" pitchFamily="34" charset="0"/>
-            </a:endParaRPr>
-          </a:p>
-        </p:txBody>
-      </p:sp>
-      <p:sp>
-        <p:nvSpPr>
-          <p:cNvPr id="2" name="Slide Number Placeholder 1">
-            <a:extLst>
-              <a:ext uri="{FF2B5EF4-FFF2-40B4-BE49-F238E27FC236}">
-                <a16:creationId xmlns:a16="http://schemas.microsoft.com/office/drawing/2014/main" id="{0BF35D7B-51F3-E445-9F94-561EB4810A39}"/>
-              </a:ext>
-            </a:extLst>
-          </p:cNvPr>
-          <p:cNvSpPr>
-            <a:spLocks noGrp="1"/>
-          </p:cNvSpPr>
-          <p:nvPr>
-            <p:ph type="sldNum" sz="quarter" idx="12"/>
-          </p:nvPr>
-        </p:nvSpPr>
-        <p:spPr/>
-        <p:txBody>
-          <a:bodyPr/>
-          <a:lstStyle/>
-          <a:p>
-            <a:fld id="{E07A91BD-2D30-4D1B-B388-0538F34CA7E2}" type="slidenum">
-              <a:rPr lang="en-US" smtClean="0"/>
-              <a:t>5</a:t>
-            </a:fld>
-            <a:endParaRPr lang="en-US" dirty="0"/>
-          </a:p>
-        </p:txBody>
-      </p:sp>
-      <p:sp>
-        <p:nvSpPr>
-          <p:cNvPr id="8" name="Zástupný objekt pre obsah 2">
-            <a:extLst>
-              <a:ext uri="{FF2B5EF4-FFF2-40B4-BE49-F238E27FC236}">
-                <a16:creationId xmlns:a16="http://schemas.microsoft.com/office/drawing/2014/main" id="{507CE63D-AB36-EF47-9D75-8D2284C6AC9F}"/>
-              </a:ext>
-            </a:extLst>
-          </p:cNvPr>
-          <p:cNvSpPr txBox="1">
-            <a:spLocks/>
-          </p:cNvSpPr>
-          <p:nvPr/>
-        </p:nvSpPr>
-        <p:spPr>
-          <a:xfrm>
-            <a:off x="373712" y="1957243"/>
-            <a:ext cx="9310976" cy="5246622"/>
-          </a:xfrm>
-          <a:prstGeom prst="rect">
-            <a:avLst/>
-          </a:prstGeom>
-        </p:spPr>
-        <p:txBody>
-          <a:bodyPr>
-            <a:normAutofit/>
-          </a:bodyPr>
-          <a:lstStyle>
-            <a:lvl1pPr marL="251460" indent="-251460" algn="l" defTabSz="1005840" rtl="0" eaLnBrk="1" latinLnBrk="0" hangingPunct="1">
-              <a:lnSpc>
-                <a:spcPct val="90000"/>
-              </a:lnSpc>
-              <a:spcBef>
-                <a:spcPts val="1100"/>
-              </a:spcBef>
-              <a:buFont typeface="Arial" panose="020B0604020202020204" pitchFamily="34" charset="0"/>
-              <a:buChar char="•"/>
-              <a:defRPr sz="3080" kern="1200">
-                <a:solidFill>
-                  <a:schemeClr val="tx1"/>
-                </a:solidFill>
-                <a:latin typeface="+mn-lt"/>
-                <a:ea typeface="+mn-ea"/>
-                <a:cs typeface="+mn-cs"/>
-              </a:defRPr>
-            </a:lvl1pPr>
-            <a:lvl2pPr marL="754380" indent="-251460" algn="l" defTabSz="1005840" rtl="0" eaLnBrk="1" latinLnBrk="0" hangingPunct="1">
-              <a:lnSpc>
-                <a:spcPct val="90000"/>
-              </a:lnSpc>
-              <a:spcBef>
-                <a:spcPts val="550"/>
-              </a:spcBef>
-              <a:buFont typeface="Arial" panose="020B0604020202020204" pitchFamily="34" charset="0"/>
-              <a:buChar char="•"/>
-              <a:defRPr sz="2640" kern="1200">
-                <a:solidFill>
-                  <a:schemeClr val="tx1"/>
-                </a:solidFill>
-                <a:latin typeface="+mn-lt"/>
-                <a:ea typeface="+mn-ea"/>
-                <a:cs typeface="+mn-cs"/>
-              </a:defRPr>
-            </a:lvl2pPr>
-            <a:lvl3pPr marL="1257300" indent="-251460" algn="l" defTabSz="1005840" rtl="0" eaLnBrk="1" latinLnBrk="0" hangingPunct="1">
-              <a:lnSpc>
-                <a:spcPct val="90000"/>
-              </a:lnSpc>
-              <a:spcBef>
-                <a:spcPts val="550"/>
-              </a:spcBef>
-              <a:buFont typeface="Arial" panose="020B0604020202020204" pitchFamily="34" charset="0"/>
-              <a:buChar char="•"/>
-              <a:defRPr sz="2200" kern="1200">
-                <a:solidFill>
-                  <a:schemeClr val="tx1"/>
-                </a:solidFill>
-                <a:latin typeface="+mn-lt"/>
-                <a:ea typeface="+mn-ea"/>
-                <a:cs typeface="+mn-cs"/>
-              </a:defRPr>
-            </a:lvl3pPr>
-            <a:lvl4pPr marL="1760220" indent="-251460" algn="l" defTabSz="1005840" rtl="0" eaLnBrk="1" latinLnBrk="0" hangingPunct="1">
-              <a:lnSpc>
-                <a:spcPct val="90000"/>
-              </a:lnSpc>
-              <a:spcBef>
-                <a:spcPts val="550"/>
-              </a:spcBef>
-              <a:buFont typeface="Arial" panose="020B0604020202020204" pitchFamily="34" charset="0"/>
-              <a:buChar char="•"/>
-              <a:defRPr sz="1980" kern="1200">
-                <a:solidFill>
-                  <a:schemeClr val="tx1"/>
-                </a:solidFill>
-                <a:latin typeface="+mn-lt"/>
-                <a:ea typeface="+mn-ea"/>
-                <a:cs typeface="+mn-cs"/>
-              </a:defRPr>
-            </a:lvl4pPr>
-            <a:lvl5pPr marL="2263140" indent="-251460" algn="l" defTabSz="1005840" rtl="0" eaLnBrk="1" latinLnBrk="0" hangingPunct="1">
-              <a:lnSpc>
-                <a:spcPct val="90000"/>
-              </a:lnSpc>
-              <a:spcBef>
-                <a:spcPts val="550"/>
-              </a:spcBef>
-              <a:buFont typeface="Arial" panose="020B0604020202020204" pitchFamily="34" charset="0"/>
-              <a:buChar char="•"/>
-              <a:defRPr sz="1980" kern="1200">
-                <a:solidFill>
-                  <a:schemeClr val="tx1"/>
-                </a:solidFill>
-                <a:latin typeface="+mn-lt"/>
-                <a:ea typeface="+mn-ea"/>
-                <a:cs typeface="+mn-cs"/>
-              </a:defRPr>
-            </a:lvl5pPr>
-            <a:lvl6pPr marL="2766060" indent="-251460" algn="l" defTabSz="1005840" rtl="0" eaLnBrk="1" latinLnBrk="0" hangingPunct="1">
-              <a:lnSpc>
-                <a:spcPct val="90000"/>
-              </a:lnSpc>
-              <a:spcBef>
-                <a:spcPts val="550"/>
-              </a:spcBef>
-              <a:buFont typeface="Arial" panose="020B0604020202020204" pitchFamily="34" charset="0"/>
-              <a:buChar char="•"/>
-              <a:defRPr sz="1980" kern="1200">
-                <a:solidFill>
-                  <a:schemeClr val="tx1"/>
-                </a:solidFill>
-                <a:latin typeface="+mn-lt"/>
-                <a:ea typeface="+mn-ea"/>
-                <a:cs typeface="+mn-cs"/>
-              </a:defRPr>
-            </a:lvl6pPr>
-            <a:lvl7pPr marL="3268980" indent="-251460" algn="l" defTabSz="1005840" rtl="0" eaLnBrk="1" latinLnBrk="0" hangingPunct="1">
-              <a:lnSpc>
-                <a:spcPct val="90000"/>
-              </a:lnSpc>
-              <a:spcBef>
-                <a:spcPts val="550"/>
-              </a:spcBef>
-              <a:buFont typeface="Arial" panose="020B0604020202020204" pitchFamily="34" charset="0"/>
-              <a:buChar char="•"/>
-              <a:defRPr sz="1980" kern="1200">
-                <a:solidFill>
-                  <a:schemeClr val="tx1"/>
-                </a:solidFill>
-                <a:latin typeface="+mn-lt"/>
-                <a:ea typeface="+mn-ea"/>
-                <a:cs typeface="+mn-cs"/>
-              </a:defRPr>
-            </a:lvl7pPr>
-            <a:lvl8pPr marL="3771900" indent="-251460" algn="l" defTabSz="1005840" rtl="0" eaLnBrk="1" latinLnBrk="0" hangingPunct="1">
-              <a:lnSpc>
-                <a:spcPct val="90000"/>
-              </a:lnSpc>
-              <a:spcBef>
-                <a:spcPts val="550"/>
-              </a:spcBef>
-              <a:buFont typeface="Arial" panose="020B0604020202020204" pitchFamily="34" charset="0"/>
-              <a:buChar char="•"/>
-              <a:defRPr sz="1980" kern="1200">
-                <a:solidFill>
-                  <a:schemeClr val="tx1"/>
-                </a:solidFill>
-                <a:latin typeface="+mn-lt"/>
-                <a:ea typeface="+mn-ea"/>
-                <a:cs typeface="+mn-cs"/>
-              </a:defRPr>
-            </a:lvl8pPr>
-            <a:lvl9pPr marL="4274820" indent="-251460" algn="l" defTabSz="1005840" rtl="0" eaLnBrk="1" latinLnBrk="0" hangingPunct="1">
-              <a:lnSpc>
-                <a:spcPct val="90000"/>
-              </a:lnSpc>
-              <a:spcBef>
-                <a:spcPts val="550"/>
-              </a:spcBef>
-              <a:buFont typeface="Arial" panose="020B0604020202020204" pitchFamily="34" charset="0"/>
-              <a:buChar char="•"/>
-              <a:defRPr sz="1980" kern="1200">
-                <a:solidFill>
-                  <a:schemeClr val="tx1"/>
-                </a:solidFill>
-                <a:latin typeface="+mn-lt"/>
-                <a:ea typeface="+mn-ea"/>
-                <a:cs typeface="+mn-cs"/>
-              </a:defRPr>
-            </a:lvl9pPr>
-          </a:lstStyle>
-          <a:p>
-            <a:r>
-              <a:rPr lang="sk-SK" sz="1800" dirty="0" err="1">
-                <a:latin typeface="Arial" panose="020B0604020202020204" pitchFamily="34" charset="0"/>
-                <a:cs typeface="Arial" panose="020B0604020202020204" pitchFamily="34" charset="0"/>
-              </a:rPr>
-              <a:t>GitHub</a:t>
-            </a:r>
-            <a:r>
-              <a:rPr lang="sk-SK" sz="1800" dirty="0">
-                <a:latin typeface="Arial" panose="020B0604020202020204" pitchFamily="34" charset="0"/>
-                <a:cs typeface="Arial" panose="020B0604020202020204" pitchFamily="34" charset="0"/>
-              </a:rPr>
-              <a:t> môžete použiť na synchronizovanie dvoch počítačov, napr. doma a v práci</a:t>
-            </a:r>
-          </a:p>
-          <a:p>
-            <a:r>
-              <a:rPr lang="sk-SK" sz="1800" dirty="0">
-                <a:latin typeface="Arial" panose="020B0604020202020204" pitchFamily="34" charset="0"/>
-                <a:cs typeface="Arial" panose="020B0604020202020204" pitchFamily="34" charset="0"/>
-              </a:rPr>
-              <a:t>Prvý krát musíte v práci skopírovať projekt z </a:t>
-            </a:r>
-            <a:r>
-              <a:rPr lang="sk-SK" sz="1800" dirty="0" err="1">
-                <a:latin typeface="Arial" panose="020B0604020202020204" pitchFamily="34" charset="0"/>
-                <a:cs typeface="Arial" panose="020B0604020202020204" pitchFamily="34" charset="0"/>
-              </a:rPr>
-              <a:t>GitHubu</a:t>
-            </a:r>
-            <a:r>
-              <a:rPr lang="sk-SK" sz="1800" dirty="0">
-                <a:latin typeface="Arial" panose="020B0604020202020204" pitchFamily="34" charset="0"/>
-                <a:cs typeface="Arial" panose="020B0604020202020204" pitchFamily="34" charset="0"/>
-              </a:rPr>
-              <a:t> na oba počítače</a:t>
-            </a:r>
-          </a:p>
-          <a:p>
             <a:endParaRPr lang="sk-SK" sz="1800" dirty="0">
               <a:latin typeface="Arial" panose="020B0604020202020204" pitchFamily="34" charset="0"/>
               <a:cs typeface="Arial" panose="020B0604020202020204" pitchFamily="34" charset="0"/>
             </a:endParaRPr>
           </a:p>
           <a:p>
-            <a:r>
-              <a:rPr lang="sk-SK" sz="1800" dirty="0">
-                <a:latin typeface="Arial" panose="020B0604020202020204" pitchFamily="34" charset="0"/>
-                <a:cs typeface="Arial" panose="020B0604020202020204" pitchFamily="34" charset="0"/>
-              </a:rPr>
-              <a:t>Ak urobíte zmeny na jednom počítači a synchronizuje ich na </a:t>
-            </a:r>
-            <a:r>
-              <a:rPr lang="sk-SK" sz="1800" dirty="0" err="1">
-                <a:latin typeface="Arial" panose="020B0604020202020204" pitchFamily="34" charset="0"/>
-                <a:cs typeface="Arial" panose="020B0604020202020204" pitchFamily="34" charset="0"/>
-              </a:rPr>
-              <a:t>GitHub</a:t>
-            </a:r>
-            <a:r>
-              <a:rPr lang="sk-SK" sz="1800" dirty="0">
-                <a:latin typeface="Arial" panose="020B0604020202020204" pitchFamily="34" charset="0"/>
-                <a:cs typeface="Arial" panose="020B0604020202020204" pitchFamily="34" charset="0"/>
-              </a:rPr>
-              <a:t>, potom na druhom počítači</a:t>
-            </a:r>
-          </a:p>
-          <a:p>
-            <a:pPr marL="342900" indent="-342900">
-              <a:buFont typeface="+mj-lt"/>
-              <a:buAutoNum type="arabicPeriod"/>
+            <a:pPr marL="0" indent="0">
+              <a:buNone/>
             </a:pPr>
-            <a:r>
-              <a:rPr lang="sk-SK" sz="1800" dirty="0">
-                <a:latin typeface="Arial" panose="020B0604020202020204" pitchFamily="34" charset="0"/>
-                <a:cs typeface="Arial" panose="020B0604020202020204" pitchFamily="34" charset="0"/>
-              </a:rPr>
-              <a:t>Skontrolujte či sa niečo zmenilo – </a:t>
-            </a:r>
-            <a:r>
-              <a:rPr lang="sk-SK" sz="1800" dirty="0" err="1">
-                <a:latin typeface="Arial" panose="020B0604020202020204" pitchFamily="34" charset="0"/>
-                <a:cs typeface="Arial" panose="020B0604020202020204" pitchFamily="34" charset="0"/>
-              </a:rPr>
-              <a:t>Fetch</a:t>
-            </a:r>
-            <a:r>
-              <a:rPr lang="sk-SK" sz="1800" dirty="0">
-                <a:latin typeface="Arial" panose="020B0604020202020204" pitchFamily="34" charset="0"/>
-                <a:cs typeface="Arial" panose="020B0604020202020204" pitchFamily="34" charset="0"/>
-              </a:rPr>
-              <a:t> </a:t>
-            </a:r>
-            <a:r>
-              <a:rPr lang="sk-SK" sz="1800" dirty="0" err="1">
-                <a:latin typeface="Arial" panose="020B0604020202020204" pitchFamily="34" charset="0"/>
-                <a:cs typeface="Arial" panose="020B0604020202020204" pitchFamily="34" charset="0"/>
-              </a:rPr>
-              <a:t>origin</a:t>
-            </a:r>
             <a:endParaRPr lang="sk-SK" sz="1800" dirty="0">
               <a:latin typeface="Arial" panose="020B0604020202020204" pitchFamily="34" charset="0"/>
               <a:cs typeface="Arial" panose="020B0604020202020204" pitchFamily="34" charset="0"/>
             </a:endParaRPr>
           </a:p>
-          <a:p>
-            <a:pPr marL="342900" indent="-342900">
-              <a:buFont typeface="+mj-lt"/>
-              <a:buAutoNum type="arabicPeriod"/>
-            </a:pPr>
-            <a:r>
-              <a:rPr lang="sk-SK" sz="1800" dirty="0">
-                <a:latin typeface="Arial" panose="020B0604020202020204" pitchFamily="34" charset="0"/>
-                <a:cs typeface="Arial" panose="020B0604020202020204" pitchFamily="34" charset="0"/>
-              </a:rPr>
-              <a:t>Skopírujte zmeny do lokálneho adresára – </a:t>
-            </a:r>
-            <a:r>
-              <a:rPr lang="sk-SK" sz="1800" dirty="0" err="1">
-                <a:latin typeface="Arial" panose="020B0604020202020204" pitchFamily="34" charset="0"/>
-                <a:cs typeface="Arial" panose="020B0604020202020204" pitchFamily="34" charset="0"/>
-              </a:rPr>
-              <a:t>Pull</a:t>
-            </a:r>
-            <a:r>
-              <a:rPr lang="sk-SK" sz="1800" dirty="0">
-                <a:latin typeface="Arial" panose="020B0604020202020204" pitchFamily="34" charset="0"/>
-                <a:cs typeface="Arial" panose="020B0604020202020204" pitchFamily="34" charset="0"/>
-              </a:rPr>
-              <a:t> </a:t>
-            </a:r>
-            <a:r>
-              <a:rPr lang="sk-SK" sz="1800" dirty="0" err="1">
-                <a:latin typeface="Arial" panose="020B0604020202020204" pitchFamily="34" charset="0"/>
-                <a:cs typeface="Arial" panose="020B0604020202020204" pitchFamily="34" charset="0"/>
-              </a:rPr>
-              <a:t>origin</a:t>
-            </a:r>
-            <a:endParaRPr lang="sk-SK" sz="1800" dirty="0">
-              <a:latin typeface="Arial" panose="020B0604020202020204" pitchFamily="34" charset="0"/>
-              <a:cs typeface="Arial" panose="020B0604020202020204" pitchFamily="34" charset="0"/>
-            </a:endParaRPr>
-          </a:p>
-          <a:p>
-            <a:endParaRPr lang="sk-SK" sz="1800" dirty="0">
-              <a:latin typeface="Arial" panose="020B0604020202020204" pitchFamily="34" charset="0"/>
-              <a:cs typeface="Arial" panose="020B0604020202020204" pitchFamily="34" charset="0"/>
-            </a:endParaRPr>
-          </a:p>
-          <a:p>
-            <a:endParaRPr lang="sk-SK" sz="1800" dirty="0">
-              <a:latin typeface="Arial" panose="020B0604020202020204" pitchFamily="34" charset="0"/>
-              <a:cs typeface="Arial" panose="020B0604020202020204" pitchFamily="34" charset="0"/>
-            </a:endParaRPr>
-          </a:p>
-          <a:p>
-            <a:endParaRPr lang="sk-SK" sz="1800" dirty="0">
-              <a:latin typeface="Arial" panose="020B0604020202020204" pitchFamily="34" charset="0"/>
-              <a:cs typeface="Arial" panose="020B0604020202020204" pitchFamily="34" charset="0"/>
-            </a:endParaRPr>
-          </a:p>
-          <a:p>
-            <a:endParaRPr lang="sk-SK" sz="2000" dirty="0">
-              <a:latin typeface="Arial" panose="020B0604020202020204" pitchFamily="34" charset="0"/>
-              <a:cs typeface="Arial" panose="020B0604020202020204" pitchFamily="34" charset="0"/>
-            </a:endParaRPr>
-          </a:p>
-          <a:p>
-            <a:pPr lvl="1"/>
-            <a:endParaRPr lang="sk-SK" sz="2000" dirty="0">
-              <a:latin typeface="Arial" panose="020B0604020202020204" pitchFamily="34" charset="0"/>
-              <a:cs typeface="Arial" panose="020B0604020202020204" pitchFamily="34" charset="0"/>
-            </a:endParaRPr>
-          </a:p>
         </p:txBody>
       </p:sp>
     </p:spTree>
     <p:extLst>
       <p:ext uri="{BB962C8B-B14F-4D97-AF65-F5344CB8AC3E}">
-        <p14:creationId xmlns:p14="http://schemas.microsoft.com/office/powerpoint/2010/main" val="1550252552"/>
-      </p:ext>
-    </p:extLst>
-  </p:cSld>
-  <p:clrMapOvr>
-    <a:masterClrMapping/>
-  </p:clrMapOvr>
-</p:sld>
-</file>
-
-<file path=ppt/slides/slide6.xml><?xml version="1.0" encoding="utf-8"?>
-<p:sld xmlns:a="http://schemas.openxmlformats.org/drawingml/2006/main" xmlns:r="http://schemas.openxmlformats.org/officeDocument/2006/relationships" xmlns:p="http://schemas.openxmlformats.org/presentationml/2006/main">
-  <p:cSld>
-    <p:bg>
-      <p:bgPr>
-        <a:solidFill>
-          <a:srgbClr val="F0F0F0"/>
-        </a:solidFill>
-        <a:effectLst/>
-      </p:bgPr>
-    </p:bg>
-    <p:spTree>
-      <p:nvGrpSpPr>
-        <p:cNvPr id="1" name=""/>
-        <p:cNvGrpSpPr/>
-        <p:nvPr/>
-      </p:nvGrpSpPr>
-      <p:grpSpPr>
-        <a:xfrm>
-          <a:off x="0" y="0"/>
-          <a:ext cx="0" cy="0"/>
-          <a:chOff x="0" y="0"/>
-          <a:chExt cx="0" cy="0"/>
-        </a:xfrm>
-      </p:grpSpPr>
-      <p:sp>
-        <p:nvSpPr>
-          <p:cNvPr id="15" name="Rettangolo 4">
-            <a:extLst>
-              <a:ext uri="{FF2B5EF4-FFF2-40B4-BE49-F238E27FC236}">
-                <a16:creationId xmlns:a16="http://schemas.microsoft.com/office/drawing/2014/main" id="{892E69F8-0D4B-4699-BA3F-52F79874AFC7}"/>
-              </a:ext>
-              <a:ext uri="{C183D7F6-B498-43B3-948B-1728B52AA6E4}">
-                <adec:decorative xmlns:adec="http://schemas.microsoft.com/office/drawing/2017/decorative" val="1"/>
-              </a:ext>
-            </a:extLst>
-          </p:cNvPr>
-          <p:cNvSpPr/>
-          <p:nvPr/>
-        </p:nvSpPr>
-        <p:spPr>
-          <a:xfrm>
-            <a:off x="0" y="3"/>
-            <a:ext cx="10058400" cy="1417946"/>
-          </a:xfrm>
-          <a:prstGeom prst="rect">
-            <a:avLst/>
-          </a:prstGeom>
-          <a:solidFill>
-            <a:srgbClr val="0078D4"/>
-          </a:solidFill>
-          <a:ln>
-            <a:solidFill>
-              <a:srgbClr val="0078D4"/>
-            </a:solidFill>
-          </a:ln>
-        </p:spPr>
-        <p:style>
-          <a:lnRef idx="2">
-            <a:schemeClr val="accent1">
-              <a:shade val="50000"/>
-            </a:schemeClr>
-          </a:lnRef>
-          <a:fillRef idx="1">
-            <a:schemeClr val="accent1"/>
-          </a:fillRef>
-          <a:effectRef idx="0">
-            <a:schemeClr val="accent1"/>
-          </a:effectRef>
-          <a:fontRef idx="minor">
-            <a:schemeClr val="lt1"/>
-          </a:fontRef>
-        </p:style>
-        <p:txBody>
-          <a:bodyPr rot="0" spcFirstLastPara="0" vertOverflow="overflow" horzOverflow="overflow" vert="horz" wrap="square" lIns="62550" tIns="31277" rIns="62550" bIns="31277" numCol="1" spcCol="0" rtlCol="0" fromWordArt="0" anchor="ctr" anchorCtr="0" forceAA="0" compatLnSpc="1">
-            <a:prstTxWarp prst="textNoShape">
-              <a:avLst/>
-            </a:prstTxWarp>
-            <a:noAutofit/>
-          </a:bodyPr>
-          <a:lstStyle/>
-          <a:p>
-            <a:pPr algn="ctr"/>
-            <a:endParaRPr lang="it-IT" sz="1229" dirty="0"/>
-          </a:p>
-        </p:txBody>
-      </p:sp>
-      <p:sp>
-        <p:nvSpPr>
-          <p:cNvPr id="13" name="CasellaDiTesto 15">
-            <a:extLst>
-              <a:ext uri="{FF2B5EF4-FFF2-40B4-BE49-F238E27FC236}">
-                <a16:creationId xmlns:a16="http://schemas.microsoft.com/office/drawing/2014/main" id="{45B08FD9-54A2-4AB5-B4E8-B8B95AC88141}"/>
-              </a:ext>
-            </a:extLst>
-          </p:cNvPr>
-          <p:cNvSpPr txBox="1"/>
-          <p:nvPr/>
-        </p:nvSpPr>
-        <p:spPr>
-          <a:xfrm>
-            <a:off x="450019" y="123422"/>
-            <a:ext cx="9310976" cy="1010533"/>
-          </a:xfrm>
-          <a:prstGeom prst="rect">
-            <a:avLst/>
-          </a:prstGeom>
-          <a:noFill/>
-        </p:spPr>
-        <p:txBody>
-          <a:bodyPr wrap="square" rtlCol="0">
-            <a:spAutoFit/>
-          </a:bodyPr>
-          <a:lstStyle/>
-          <a:p>
-            <a:pPr>
-              <a:lnSpc>
-                <a:spcPct val="150000"/>
-              </a:lnSpc>
-            </a:pPr>
-            <a:r>
-              <a:rPr lang="en-US" sz="2400" b="1" dirty="0">
-                <a:solidFill>
-                  <a:schemeClr val="bg1"/>
-                </a:solidFill>
-                <a:latin typeface="Arial" panose="020B0604020202020204" pitchFamily="34" charset="0"/>
-                <a:ea typeface="Segoe UI" panose="020B0502040204020203" pitchFamily="34" charset="0"/>
-                <a:cs typeface="Arial" panose="020B0604020202020204" pitchFamily="34" charset="0"/>
-              </a:rPr>
-              <a:t>Git a GitHub</a:t>
-            </a:r>
-            <a:endParaRPr lang="sk-SK" sz="2400" b="1" dirty="0">
-              <a:solidFill>
-                <a:schemeClr val="bg1"/>
-              </a:solidFill>
-              <a:latin typeface="Arial" panose="020B0604020202020204" pitchFamily="34" charset="0"/>
-              <a:ea typeface="Segoe UI" panose="020B0502040204020203" pitchFamily="34" charset="0"/>
-              <a:cs typeface="Arial" panose="020B0604020202020204" pitchFamily="34" charset="0"/>
-            </a:endParaRPr>
-          </a:p>
-          <a:p>
-            <a:pPr>
-              <a:lnSpc>
-                <a:spcPct val="150000"/>
-              </a:lnSpc>
-            </a:pPr>
-            <a:r>
-              <a:rPr lang="sk-SK" b="1" dirty="0">
-                <a:solidFill>
-                  <a:schemeClr val="bg1"/>
-                </a:solidFill>
-                <a:latin typeface="Arial" panose="020B0604020202020204" pitchFamily="34" charset="0"/>
-                <a:ea typeface="Segoe UI" panose="020B0502040204020203" pitchFamily="34" charset="0"/>
-                <a:cs typeface="Arial" panose="020B0604020202020204" pitchFamily="34" charset="0"/>
-              </a:rPr>
-              <a:t>Domáci/pracovný počítač</a:t>
-            </a:r>
-            <a:endParaRPr lang="sk-SK" dirty="0">
-              <a:solidFill>
-                <a:schemeClr val="bg1"/>
-              </a:solidFill>
-              <a:latin typeface="Arial" panose="020B0604020202020204" pitchFamily="34" charset="0"/>
-              <a:ea typeface="Segoe UI" panose="020B0502040204020203" pitchFamily="34" charset="0"/>
-              <a:cs typeface="Arial" panose="020B0604020202020204" pitchFamily="34" charset="0"/>
-            </a:endParaRPr>
-          </a:p>
-        </p:txBody>
-      </p:sp>
-      <p:sp>
-        <p:nvSpPr>
-          <p:cNvPr id="2" name="Slide Number Placeholder 1">
-            <a:extLst>
-              <a:ext uri="{FF2B5EF4-FFF2-40B4-BE49-F238E27FC236}">
-                <a16:creationId xmlns:a16="http://schemas.microsoft.com/office/drawing/2014/main" id="{0BF35D7B-51F3-E445-9F94-561EB4810A39}"/>
-              </a:ext>
-            </a:extLst>
-          </p:cNvPr>
-          <p:cNvSpPr>
-            <a:spLocks noGrp="1"/>
-          </p:cNvSpPr>
-          <p:nvPr>
-            <p:ph type="sldNum" sz="quarter" idx="12"/>
-          </p:nvPr>
-        </p:nvSpPr>
-        <p:spPr/>
-        <p:txBody>
-          <a:bodyPr/>
-          <a:lstStyle/>
-          <a:p>
-            <a:fld id="{E07A91BD-2D30-4D1B-B388-0538F34CA7E2}" type="slidenum">
-              <a:rPr lang="en-US" smtClean="0"/>
-              <a:t>6</a:t>
-            </a:fld>
-            <a:endParaRPr lang="en-US" dirty="0"/>
-          </a:p>
-        </p:txBody>
-      </p:sp>
-      <p:pic>
-        <p:nvPicPr>
-          <p:cNvPr id="3" name="Obrázok 2">
-            <a:extLst>
-              <a:ext uri="{FF2B5EF4-FFF2-40B4-BE49-F238E27FC236}">
-                <a16:creationId xmlns:a16="http://schemas.microsoft.com/office/drawing/2014/main" id="{5B08D7B9-5A8A-41F4-BE8E-4269C202CA9F}"/>
-              </a:ext>
-            </a:extLst>
-          </p:cNvPr>
-          <p:cNvPicPr>
-            <a:picLocks noChangeAspect="1"/>
-          </p:cNvPicPr>
-          <p:nvPr/>
-        </p:nvPicPr>
-        <p:blipFill>
-          <a:blip r:embed="rId2"/>
-          <a:stretch>
-            <a:fillRect/>
-          </a:stretch>
-        </p:blipFill>
-        <p:spPr>
-          <a:xfrm>
-            <a:off x="1371600" y="2174665"/>
-            <a:ext cx="7315200" cy="5029200"/>
-          </a:xfrm>
-          <a:prstGeom prst="rect">
-            <a:avLst/>
-          </a:prstGeom>
-        </p:spPr>
-      </p:pic>
-      <p:sp>
-        <p:nvSpPr>
-          <p:cNvPr id="7" name="Obdĺžnik 6">
-            <a:extLst>
-              <a:ext uri="{FF2B5EF4-FFF2-40B4-BE49-F238E27FC236}">
-                <a16:creationId xmlns:a16="http://schemas.microsoft.com/office/drawing/2014/main" id="{AE348522-859A-4F70-91DD-018C89352438}"/>
-              </a:ext>
-            </a:extLst>
-          </p:cNvPr>
-          <p:cNvSpPr/>
-          <p:nvPr/>
-        </p:nvSpPr>
-        <p:spPr>
-          <a:xfrm>
-            <a:off x="3316362" y="3201568"/>
-            <a:ext cx="3009206" cy="590203"/>
-          </a:xfrm>
-          <a:prstGeom prst="rect">
-            <a:avLst/>
-          </a:prstGeom>
-          <a:solidFill>
-            <a:schemeClr val="bg1"/>
-          </a:solidFill>
-          <a:ln w="9525" cap="flat" cmpd="sng" algn="ctr">
-            <a:solidFill>
-              <a:schemeClr val="accent1"/>
-            </a:solidFill>
-            <a:prstDash val="solid"/>
-            <a:round/>
-            <a:headEnd type="none" w="med" len="med"/>
-            <a:tailEnd type="none" w="med" len="med"/>
-          </a:ln>
-        </p:spPr>
-        <p:style>
-          <a:lnRef idx="0">
-            <a:scrgbClr r="0" g="0" b="0"/>
-          </a:lnRef>
-          <a:fillRef idx="0">
-            <a:scrgbClr r="0" g="0" b="0"/>
-          </a:fillRef>
-          <a:effectRef idx="0">
-            <a:scrgbClr r="0" g="0" b="0"/>
-          </a:effectRef>
-          <a:fontRef idx="minor">
-            <a:schemeClr val="accent1"/>
-          </a:fontRef>
-        </p:style>
-        <p:txBody>
-          <a:bodyPr rtlCol="0" anchor="ctr"/>
-          <a:lstStyle/>
-          <a:p>
-            <a:pPr algn="ctr"/>
-            <a:r>
-              <a:rPr lang="sk-SK" dirty="0"/>
-              <a:t>Kontrola zmien v </a:t>
-            </a:r>
-            <a:r>
-              <a:rPr lang="sk-SK" dirty="0" err="1"/>
-              <a:t>GitHube</a:t>
-            </a:r>
-            <a:endParaRPr lang="sk-SK" dirty="0"/>
-          </a:p>
-        </p:txBody>
-      </p:sp>
-      <p:cxnSp>
-        <p:nvCxnSpPr>
-          <p:cNvPr id="9" name="Rovná spojovacia šípka 8">
-            <a:extLst>
-              <a:ext uri="{FF2B5EF4-FFF2-40B4-BE49-F238E27FC236}">
-                <a16:creationId xmlns:a16="http://schemas.microsoft.com/office/drawing/2014/main" id="{D892C0C1-1AED-4E85-B3E4-248A00564B51}"/>
-              </a:ext>
-            </a:extLst>
-          </p:cNvPr>
-          <p:cNvCxnSpPr>
-            <a:cxnSpLocks/>
-          </p:cNvCxnSpPr>
-          <p:nvPr/>
-        </p:nvCxnSpPr>
-        <p:spPr>
-          <a:xfrm flipV="1">
-            <a:off x="4820965" y="2753500"/>
-            <a:ext cx="773500" cy="448068"/>
-          </a:xfrm>
-          <a:prstGeom prst="straightConnector1">
-            <a:avLst/>
-          </a:prstGeom>
-          <a:ln w="19050">
-            <a:headEnd w="lg" len="lg"/>
-            <a:tailEnd type="triangle" w="lg" len="lg"/>
-          </a:ln>
-        </p:spPr>
-        <p:style>
-          <a:lnRef idx="1">
-            <a:schemeClr val="accent1"/>
-          </a:lnRef>
-          <a:fillRef idx="0">
-            <a:schemeClr val="accent1"/>
-          </a:fillRef>
-          <a:effectRef idx="0">
-            <a:schemeClr val="accent1"/>
-          </a:effectRef>
-          <a:fontRef idx="minor">
-            <a:schemeClr val="tx1"/>
-          </a:fontRef>
-        </p:style>
-      </p:cxnSp>
-    </p:spTree>
-    <p:extLst>
-      <p:ext uri="{BB962C8B-B14F-4D97-AF65-F5344CB8AC3E}">
-        <p14:creationId xmlns:p14="http://schemas.microsoft.com/office/powerpoint/2010/main" val="347657698"/>
-      </p:ext>
-    </p:extLst>
-  </p:cSld>
-  <p:clrMapOvr>
-    <a:masterClrMapping/>
-  </p:clrMapOvr>
-</p:sld>
-</file>
-
-<file path=ppt/slides/slide7.xml><?xml version="1.0" encoding="utf-8"?>
-<p:sld xmlns:a="http://schemas.openxmlformats.org/drawingml/2006/main" xmlns:r="http://schemas.openxmlformats.org/officeDocument/2006/relationships" xmlns:p="http://schemas.openxmlformats.org/presentationml/2006/main">
-  <p:cSld>
-    <p:bg>
-      <p:bgPr>
-        <a:solidFill>
-          <a:srgbClr val="F0F0F0"/>
-        </a:solidFill>
-        <a:effectLst/>
-      </p:bgPr>
-    </p:bg>
-    <p:spTree>
-      <p:nvGrpSpPr>
-        <p:cNvPr id="1" name=""/>
-        <p:cNvGrpSpPr/>
-        <p:nvPr/>
-      </p:nvGrpSpPr>
-      <p:grpSpPr>
-        <a:xfrm>
-          <a:off x="0" y="0"/>
-          <a:ext cx="0" cy="0"/>
-          <a:chOff x="0" y="0"/>
-          <a:chExt cx="0" cy="0"/>
-        </a:xfrm>
-      </p:grpSpPr>
-      <p:pic>
-        <p:nvPicPr>
-          <p:cNvPr id="4" name="Obrázok 3">
-            <a:extLst>
-              <a:ext uri="{FF2B5EF4-FFF2-40B4-BE49-F238E27FC236}">
-                <a16:creationId xmlns:a16="http://schemas.microsoft.com/office/drawing/2014/main" id="{2AD68123-2821-48B1-AD7F-8C8EBCE87405}"/>
-              </a:ext>
-            </a:extLst>
-          </p:cNvPr>
-          <p:cNvPicPr>
-            <a:picLocks noChangeAspect="1"/>
-          </p:cNvPicPr>
-          <p:nvPr/>
-        </p:nvPicPr>
-        <p:blipFill>
-          <a:blip r:embed="rId2"/>
-          <a:stretch>
-            <a:fillRect/>
-          </a:stretch>
-        </p:blipFill>
-        <p:spPr>
-          <a:xfrm>
-            <a:off x="1371600" y="2174665"/>
-            <a:ext cx="7315200" cy="5029200"/>
-          </a:xfrm>
-          <a:prstGeom prst="rect">
-            <a:avLst/>
-          </a:prstGeom>
-        </p:spPr>
-      </p:pic>
-      <p:sp>
-        <p:nvSpPr>
-          <p:cNvPr id="15" name="Rettangolo 4">
-            <a:extLst>
-              <a:ext uri="{FF2B5EF4-FFF2-40B4-BE49-F238E27FC236}">
-                <a16:creationId xmlns:a16="http://schemas.microsoft.com/office/drawing/2014/main" id="{892E69F8-0D4B-4699-BA3F-52F79874AFC7}"/>
-              </a:ext>
-              <a:ext uri="{C183D7F6-B498-43B3-948B-1728B52AA6E4}">
-                <adec:decorative xmlns:adec="http://schemas.microsoft.com/office/drawing/2017/decorative" val="1"/>
-              </a:ext>
-            </a:extLst>
-          </p:cNvPr>
-          <p:cNvSpPr/>
-          <p:nvPr/>
-        </p:nvSpPr>
-        <p:spPr>
-          <a:xfrm>
-            <a:off x="0" y="3"/>
-            <a:ext cx="10058400" cy="1417946"/>
-          </a:xfrm>
-          <a:prstGeom prst="rect">
-            <a:avLst/>
-          </a:prstGeom>
-          <a:solidFill>
-            <a:srgbClr val="0078D4"/>
-          </a:solidFill>
-          <a:ln>
-            <a:solidFill>
-              <a:srgbClr val="0078D4"/>
-            </a:solidFill>
-          </a:ln>
-        </p:spPr>
-        <p:style>
-          <a:lnRef idx="2">
-            <a:schemeClr val="accent1">
-              <a:shade val="50000"/>
-            </a:schemeClr>
-          </a:lnRef>
-          <a:fillRef idx="1">
-            <a:schemeClr val="accent1"/>
-          </a:fillRef>
-          <a:effectRef idx="0">
-            <a:schemeClr val="accent1"/>
-          </a:effectRef>
-          <a:fontRef idx="minor">
-            <a:schemeClr val="lt1"/>
-          </a:fontRef>
-        </p:style>
-        <p:txBody>
-          <a:bodyPr rot="0" spcFirstLastPara="0" vertOverflow="overflow" horzOverflow="overflow" vert="horz" wrap="square" lIns="62550" tIns="31277" rIns="62550" bIns="31277" numCol="1" spcCol="0" rtlCol="0" fromWordArt="0" anchor="ctr" anchorCtr="0" forceAA="0" compatLnSpc="1">
-            <a:prstTxWarp prst="textNoShape">
-              <a:avLst/>
-            </a:prstTxWarp>
-            <a:noAutofit/>
-          </a:bodyPr>
-          <a:lstStyle/>
-          <a:p>
-            <a:pPr algn="ctr"/>
-            <a:endParaRPr lang="it-IT" sz="1229" dirty="0"/>
-          </a:p>
-        </p:txBody>
-      </p:sp>
-      <p:sp>
-        <p:nvSpPr>
-          <p:cNvPr id="13" name="CasellaDiTesto 15">
-            <a:extLst>
-              <a:ext uri="{FF2B5EF4-FFF2-40B4-BE49-F238E27FC236}">
-                <a16:creationId xmlns:a16="http://schemas.microsoft.com/office/drawing/2014/main" id="{45B08FD9-54A2-4AB5-B4E8-B8B95AC88141}"/>
-              </a:ext>
-            </a:extLst>
-          </p:cNvPr>
-          <p:cNvSpPr txBox="1"/>
-          <p:nvPr/>
-        </p:nvSpPr>
-        <p:spPr>
-          <a:xfrm>
-            <a:off x="450019" y="123422"/>
-            <a:ext cx="9310976" cy="1010533"/>
-          </a:xfrm>
-          <a:prstGeom prst="rect">
-            <a:avLst/>
-          </a:prstGeom>
-          <a:noFill/>
-        </p:spPr>
-        <p:txBody>
-          <a:bodyPr wrap="square" rtlCol="0">
-            <a:spAutoFit/>
-          </a:bodyPr>
-          <a:lstStyle/>
-          <a:p>
-            <a:pPr>
-              <a:lnSpc>
-                <a:spcPct val="150000"/>
-              </a:lnSpc>
-            </a:pPr>
-            <a:r>
-              <a:rPr lang="en-US" sz="2400" b="1" dirty="0">
-                <a:solidFill>
-                  <a:schemeClr val="bg1"/>
-                </a:solidFill>
-                <a:latin typeface="Arial" panose="020B0604020202020204" pitchFamily="34" charset="0"/>
-                <a:ea typeface="Segoe UI" panose="020B0502040204020203" pitchFamily="34" charset="0"/>
-                <a:cs typeface="Arial" panose="020B0604020202020204" pitchFamily="34" charset="0"/>
-              </a:rPr>
-              <a:t>Git a GitHub</a:t>
-            </a:r>
-            <a:endParaRPr lang="sk-SK" sz="2400" b="1" dirty="0">
-              <a:solidFill>
-                <a:schemeClr val="bg1"/>
-              </a:solidFill>
-              <a:latin typeface="Arial" panose="020B0604020202020204" pitchFamily="34" charset="0"/>
-              <a:ea typeface="Segoe UI" panose="020B0502040204020203" pitchFamily="34" charset="0"/>
-              <a:cs typeface="Arial" panose="020B0604020202020204" pitchFamily="34" charset="0"/>
-            </a:endParaRPr>
-          </a:p>
-          <a:p>
-            <a:pPr>
-              <a:lnSpc>
-                <a:spcPct val="150000"/>
-              </a:lnSpc>
-            </a:pPr>
-            <a:r>
-              <a:rPr lang="sk-SK" b="1" dirty="0">
-                <a:solidFill>
-                  <a:schemeClr val="bg1"/>
-                </a:solidFill>
-                <a:latin typeface="Arial" panose="020B0604020202020204" pitchFamily="34" charset="0"/>
-                <a:ea typeface="Segoe UI" panose="020B0502040204020203" pitchFamily="34" charset="0"/>
-                <a:cs typeface="Arial" panose="020B0604020202020204" pitchFamily="34" charset="0"/>
-              </a:rPr>
-              <a:t>Domáci/pracovný počítač</a:t>
-            </a:r>
-            <a:endParaRPr lang="sk-SK" dirty="0">
-              <a:solidFill>
-                <a:schemeClr val="bg1"/>
-              </a:solidFill>
-              <a:latin typeface="Arial" panose="020B0604020202020204" pitchFamily="34" charset="0"/>
-              <a:ea typeface="Segoe UI" panose="020B0502040204020203" pitchFamily="34" charset="0"/>
-              <a:cs typeface="Arial" panose="020B0604020202020204" pitchFamily="34" charset="0"/>
-            </a:endParaRPr>
-          </a:p>
-        </p:txBody>
-      </p:sp>
-      <p:sp>
-        <p:nvSpPr>
-          <p:cNvPr id="2" name="Slide Number Placeholder 1">
-            <a:extLst>
-              <a:ext uri="{FF2B5EF4-FFF2-40B4-BE49-F238E27FC236}">
-                <a16:creationId xmlns:a16="http://schemas.microsoft.com/office/drawing/2014/main" id="{0BF35D7B-51F3-E445-9F94-561EB4810A39}"/>
-              </a:ext>
-            </a:extLst>
-          </p:cNvPr>
-          <p:cNvSpPr>
-            <a:spLocks noGrp="1"/>
-          </p:cNvSpPr>
-          <p:nvPr>
-            <p:ph type="sldNum" sz="quarter" idx="12"/>
-          </p:nvPr>
-        </p:nvSpPr>
-        <p:spPr/>
-        <p:txBody>
-          <a:bodyPr/>
-          <a:lstStyle/>
-          <a:p>
-            <a:fld id="{E07A91BD-2D30-4D1B-B388-0538F34CA7E2}" type="slidenum">
-              <a:rPr lang="en-US" smtClean="0"/>
-              <a:t>7</a:t>
-            </a:fld>
-            <a:endParaRPr lang="en-US" dirty="0"/>
-          </a:p>
-        </p:txBody>
-      </p:sp>
-      <p:sp>
-        <p:nvSpPr>
-          <p:cNvPr id="7" name="Obdĺžnik 6">
-            <a:extLst>
-              <a:ext uri="{FF2B5EF4-FFF2-40B4-BE49-F238E27FC236}">
-                <a16:creationId xmlns:a16="http://schemas.microsoft.com/office/drawing/2014/main" id="{AE348522-859A-4F70-91DD-018C89352438}"/>
-              </a:ext>
-            </a:extLst>
-          </p:cNvPr>
-          <p:cNvSpPr/>
-          <p:nvPr/>
-        </p:nvSpPr>
-        <p:spPr>
-          <a:xfrm>
-            <a:off x="4164260" y="3352624"/>
-            <a:ext cx="3009206" cy="590203"/>
-          </a:xfrm>
-          <a:prstGeom prst="rect">
-            <a:avLst/>
-          </a:prstGeom>
-          <a:solidFill>
-            <a:schemeClr val="bg1"/>
-          </a:solidFill>
-          <a:ln w="9525" cap="flat" cmpd="sng" algn="ctr">
-            <a:solidFill>
-              <a:schemeClr val="accent1"/>
-            </a:solidFill>
-            <a:prstDash val="solid"/>
-            <a:round/>
-            <a:headEnd type="none" w="med" len="med"/>
-            <a:tailEnd type="none" w="med" len="med"/>
-          </a:ln>
-        </p:spPr>
-        <p:style>
-          <a:lnRef idx="0">
-            <a:scrgbClr r="0" g="0" b="0"/>
-          </a:lnRef>
-          <a:fillRef idx="0">
-            <a:scrgbClr r="0" g="0" b="0"/>
-          </a:fillRef>
-          <a:effectRef idx="0">
-            <a:scrgbClr r="0" g="0" b="0"/>
-          </a:effectRef>
-          <a:fontRef idx="minor">
-            <a:schemeClr val="accent1"/>
-          </a:fontRef>
-        </p:style>
-        <p:txBody>
-          <a:bodyPr rtlCol="0" anchor="ctr"/>
-          <a:lstStyle/>
-          <a:p>
-            <a:pPr algn="ctr"/>
-            <a:r>
-              <a:rPr lang="sk-SK" dirty="0"/>
-              <a:t>Skopírovanie zmien z </a:t>
-            </a:r>
-            <a:r>
-              <a:rPr lang="sk-SK" dirty="0" err="1"/>
-              <a:t>GitHubu</a:t>
-            </a:r>
-            <a:endParaRPr lang="sk-SK" dirty="0"/>
-          </a:p>
-        </p:txBody>
-      </p:sp>
-      <p:cxnSp>
-        <p:nvCxnSpPr>
-          <p:cNvPr id="9" name="Rovná spojovacia šípka 8">
-            <a:extLst>
-              <a:ext uri="{FF2B5EF4-FFF2-40B4-BE49-F238E27FC236}">
-                <a16:creationId xmlns:a16="http://schemas.microsoft.com/office/drawing/2014/main" id="{D892C0C1-1AED-4E85-B3E4-248A00564B51}"/>
-              </a:ext>
-            </a:extLst>
-          </p:cNvPr>
-          <p:cNvCxnSpPr>
-            <a:cxnSpLocks/>
-            <a:stCxn id="7" idx="0"/>
-          </p:cNvCxnSpPr>
-          <p:nvPr/>
-        </p:nvCxnSpPr>
-        <p:spPr>
-          <a:xfrm flipV="1">
-            <a:off x="5668863" y="2793076"/>
-            <a:ext cx="0" cy="559548"/>
-          </a:xfrm>
-          <a:prstGeom prst="straightConnector1">
-            <a:avLst/>
-          </a:prstGeom>
-          <a:ln w="19050">
-            <a:headEnd w="lg" len="lg"/>
-            <a:tailEnd type="triangle" w="lg" len="lg"/>
-          </a:ln>
-        </p:spPr>
-        <p:style>
-          <a:lnRef idx="1">
-            <a:schemeClr val="accent1"/>
-          </a:lnRef>
-          <a:fillRef idx="0">
-            <a:schemeClr val="accent1"/>
-          </a:fillRef>
-          <a:effectRef idx="0">
-            <a:schemeClr val="accent1"/>
-          </a:effectRef>
-          <a:fontRef idx="minor">
-            <a:schemeClr val="tx1"/>
-          </a:fontRef>
-        </p:style>
-      </p:cxnSp>
-      <p:cxnSp>
-        <p:nvCxnSpPr>
-          <p:cNvPr id="11" name="Rovná spojovacia šípka 10">
-            <a:extLst>
-              <a:ext uri="{FF2B5EF4-FFF2-40B4-BE49-F238E27FC236}">
-                <a16:creationId xmlns:a16="http://schemas.microsoft.com/office/drawing/2014/main" id="{A24BB53D-AD38-411D-8AA3-B247F2FA64D6}"/>
-              </a:ext>
-            </a:extLst>
-          </p:cNvPr>
-          <p:cNvCxnSpPr>
-            <a:cxnSpLocks/>
-          </p:cNvCxnSpPr>
-          <p:nvPr/>
-        </p:nvCxnSpPr>
-        <p:spPr>
-          <a:xfrm>
-            <a:off x="6475615" y="3942828"/>
-            <a:ext cx="980901" cy="379790"/>
-          </a:xfrm>
-          <a:prstGeom prst="straightConnector1">
-            <a:avLst/>
-          </a:prstGeom>
-          <a:ln w="19050">
-            <a:headEnd w="lg" len="lg"/>
-            <a:tailEnd type="triangle" w="lg" len="lg"/>
-          </a:ln>
-        </p:spPr>
-        <p:style>
-          <a:lnRef idx="1">
-            <a:schemeClr val="accent1"/>
-          </a:lnRef>
-          <a:fillRef idx="0">
-            <a:schemeClr val="accent1"/>
-          </a:fillRef>
-          <a:effectRef idx="0">
-            <a:schemeClr val="accent1"/>
-          </a:effectRef>
-          <a:fontRef idx="minor">
-            <a:schemeClr val="tx1"/>
-          </a:fontRef>
-        </p:style>
-      </p:cxnSp>
-    </p:spTree>
-    <p:extLst>
-      <p:ext uri="{BB962C8B-B14F-4D97-AF65-F5344CB8AC3E}">
-        <p14:creationId xmlns:p14="http://schemas.microsoft.com/office/powerpoint/2010/main" val="720127343"/>
+        <p14:creationId xmlns:p14="http://schemas.microsoft.com/office/powerpoint/2010/main" val="706223236"/>
       </p:ext>
     </p:extLst>
   </p:cSld>
